--- a/Documents/FoundingBuddies_Pitch.pptx
+++ b/Documents/FoundingBuddies_Pitch.pptx
@@ -289,7 +289,7 @@
       </p15:sldGuideLst>
     </p:ext>
     <p:ext uri="http://customooxmlschemas.google.com/">
-      <go:slidesCustomData xmlns="" xmlns:mc="http://schemas.openxmlformats.org/markup-compatibility/2006" xmlns:mv="urn:schemas-microsoft-com:mac:vml" xmlns:c="http://schemas.openxmlformats.org/drawingml/2006/chart" xmlns:dgm="http://schemas.openxmlformats.org/drawingml/2006/diagram" xmlns:o="urn:schemas-microsoft-com:office:office" xmlns:v="urn:schemas-microsoft-com:vml" xmlns:pvml="urn:schemas-microsoft-com:office:powerpoint" xmlns:com="http://schemas.openxmlformats.org/drawingml/2006/compatibility" xmlns:p14="http://schemas.microsoft.com/office/powerpoint/2010/main" xmlns:p15="http://schemas.microsoft.com/office/powerpoint/2012/main" xmlns:go="http://customooxmlschemas.google.com/" r:id="rId16" roundtripDataSignature="AMtx7miPr667UYF9sXkcN0EMU6WIr85DMA=="/>
+      <go:slidesCustomData xmlns:go="http://customooxmlschemas.google.com/" xmlns:p15="http://schemas.microsoft.com/office/powerpoint/2012/main" xmlns:p14="http://schemas.microsoft.com/office/powerpoint/2010/main" xmlns:com="http://schemas.openxmlformats.org/drawingml/2006/compatibility" xmlns:pvml="urn:schemas-microsoft-com:office:powerpoint" xmlns:v="urn:schemas-microsoft-com:vml" xmlns:o="urn:schemas-microsoft-com:office:office" xmlns:dgm="http://schemas.openxmlformats.org/drawingml/2006/diagram" xmlns:c="http://schemas.openxmlformats.org/drawingml/2006/chart" xmlns:mv="urn:schemas-microsoft-com:mac:vml" xmlns:mc="http://schemas.openxmlformats.org/markup-compatibility/2006" xmlns="" r:id="rId16" roundtripDataSignature="AMtx7miPr667UYF9sXkcN0EMU6WIr85DMA=="/>
     </p:ext>
   </p:extLst>
 </p:presentation>
@@ -1239,7 +1239,7 @@
                 <a:cs typeface="Calibri"/>
                 <a:sym typeface="Calibri"/>
               </a:rPr>
-              <a:t>‹Nr.›</a:t>
+              <a:t>‹#›</a:t>
             </a:fld>
             <a:endParaRPr sz="1200" b="0" i="0" u="none" strike="noStrike" cap="none">
               <a:solidFill>
@@ -2981,6 +2981,10 @@
             </a:lvl9pPr>
           </a:lstStyle>
           <a:p>
+            <a:r>
+              <a:rPr lang="en-US"/>
+              <a:t>10/5/2019</a:t>
+            </a:r>
             <a:endParaRPr/>
           </a:p>
         </p:txBody>
@@ -3222,7 +3226,7 @@
             </a:pPr>
             <a:fld id="{00000000-1234-1234-1234-123412341234}" type="slidenum">
               <a:rPr lang="de-DE"/>
-              <a:t>‹Nr.›</a:t>
+              <a:t>‹#›</a:t>
             </a:fld>
             <a:endParaRPr/>
           </a:p>
@@ -3708,6 +3712,10 @@
             </a:lvl9pPr>
           </a:lstStyle>
           <a:p>
+            <a:r>
+              <a:rPr lang="en-US"/>
+              <a:t>10/5/2019</a:t>
+            </a:r>
             <a:endParaRPr/>
           </a:p>
         </p:txBody>
@@ -3949,7 +3957,7 @@
             </a:pPr>
             <a:fld id="{00000000-1234-1234-1234-123412341234}" type="slidenum">
               <a:rPr lang="de-DE"/>
-              <a:t>‹Nr.›</a:t>
+              <a:t>‹#›</a:t>
             </a:fld>
             <a:endParaRPr/>
           </a:p>
@@ -4435,6 +4443,10 @@
             </a:lvl9pPr>
           </a:lstStyle>
           <a:p>
+            <a:r>
+              <a:rPr lang="en-US"/>
+              <a:t>10/5/2019</a:t>
+            </a:r>
             <a:endParaRPr/>
           </a:p>
         </p:txBody>
@@ -4676,7 +4688,7 @@
             </a:pPr>
             <a:fld id="{00000000-1234-1234-1234-123412341234}" type="slidenum">
               <a:rPr lang="de-DE"/>
-              <a:t>‹Nr.›</a:t>
+              <a:t>‹#›</a:t>
             </a:fld>
             <a:endParaRPr/>
           </a:p>
@@ -4836,6 +4848,10 @@
             </a:lvl9pPr>
           </a:lstStyle>
           <a:p>
+            <a:r>
+              <a:rPr lang="en-US"/>
+              <a:t>10/5/2019</a:t>
+            </a:r>
             <a:endParaRPr/>
           </a:p>
         </p:txBody>
@@ -5077,7 +5093,7 @@
             </a:pPr>
             <a:fld id="{00000000-1234-1234-1234-123412341234}" type="slidenum">
               <a:rPr lang="de-DE"/>
-              <a:t>‹Nr.›</a:t>
+              <a:t>‹#›</a:t>
             </a:fld>
             <a:endParaRPr/>
           </a:p>
@@ -5563,6 +5579,10 @@
             </a:lvl9pPr>
           </a:lstStyle>
           <a:p>
+            <a:r>
+              <a:rPr lang="en-US"/>
+              <a:t>10/5/2019</a:t>
+            </a:r>
             <a:endParaRPr/>
           </a:p>
         </p:txBody>
@@ -5804,7 +5824,7 @@
             </a:pPr>
             <a:fld id="{00000000-1234-1234-1234-123412341234}" type="slidenum">
               <a:rPr lang="de-DE"/>
-              <a:t>‹Nr.›</a:t>
+              <a:t>‹#›</a:t>
             </a:fld>
             <a:endParaRPr/>
           </a:p>
@@ -6327,6 +6347,10 @@
             </a:lvl9pPr>
           </a:lstStyle>
           <a:p>
+            <a:r>
+              <a:rPr lang="en-US"/>
+              <a:t>10/5/2019</a:t>
+            </a:r>
             <a:endParaRPr/>
           </a:p>
         </p:txBody>
@@ -6568,7 +6592,7 @@
             </a:pPr>
             <a:fld id="{00000000-1234-1234-1234-123412341234}" type="slidenum">
               <a:rPr lang="de-DE"/>
-              <a:t>‹Nr.›</a:t>
+              <a:t>‹#›</a:t>
             </a:fld>
             <a:endParaRPr/>
           </a:p>
@@ -7241,6 +7265,10 @@
             </a:lvl9pPr>
           </a:lstStyle>
           <a:p>
+            <a:r>
+              <a:rPr lang="en-US"/>
+              <a:t>10/5/2019</a:t>
+            </a:r>
             <a:endParaRPr/>
           </a:p>
         </p:txBody>
@@ -7482,7 +7510,7 @@
             </a:pPr>
             <a:fld id="{00000000-1234-1234-1234-123412341234}" type="slidenum">
               <a:rPr lang="de-DE"/>
-              <a:t>‹Nr.›</a:t>
+              <a:t>‹#›</a:t>
             </a:fld>
             <a:endParaRPr/>
           </a:p>
@@ -8529,6 +8557,10 @@
             </a:lvl9pPr>
           </a:lstStyle>
           <a:p>
+            <a:r>
+              <a:rPr lang="en-US"/>
+              <a:t>10/5/2019</a:t>
+            </a:r>
             <a:endParaRPr/>
           </a:p>
         </p:txBody>
@@ -8770,7 +8802,7 @@
             </a:pPr>
             <a:fld id="{00000000-1234-1234-1234-123412341234}" type="slidenum">
               <a:rPr lang="de-DE"/>
-              <a:t>‹Nr.›</a:t>
+              <a:t>‹#›</a:t>
             </a:fld>
             <a:endParaRPr/>
           </a:p>
@@ -9069,6 +9101,10 @@
             </a:lvl9pPr>
           </a:lstStyle>
           <a:p>
+            <a:r>
+              <a:rPr lang="en-US"/>
+              <a:t>10/5/2019</a:t>
+            </a:r>
             <a:endParaRPr/>
           </a:p>
         </p:txBody>
@@ -9310,7 +9346,7 @@
             </a:pPr>
             <a:fld id="{00000000-1234-1234-1234-123412341234}" type="slidenum">
               <a:rPr lang="de-DE"/>
-              <a:t>‹Nr.›</a:t>
+              <a:t>‹#›</a:t>
             </a:fld>
             <a:endParaRPr/>
           </a:p>
@@ -9984,6 +10020,10 @@
             </a:lvl9pPr>
           </a:lstStyle>
           <a:p>
+            <a:r>
+              <a:rPr lang="en-US"/>
+              <a:t>10/5/2019</a:t>
+            </a:r>
             <a:endParaRPr/>
           </a:p>
         </p:txBody>
@@ -10225,7 +10265,7 @@
             </a:pPr>
             <a:fld id="{00000000-1234-1234-1234-123412341234}" type="slidenum">
               <a:rPr lang="de-DE"/>
-              <a:t>‹Nr.›</a:t>
+              <a:t>‹#›</a:t>
             </a:fld>
             <a:endParaRPr/>
           </a:p>
@@ -10980,6 +11020,10 @@
             </a:lvl9pPr>
           </a:lstStyle>
           <a:p>
+            <a:r>
+              <a:rPr lang="en-US"/>
+              <a:t>10/5/2019</a:t>
+            </a:r>
             <a:endParaRPr/>
           </a:p>
         </p:txBody>
@@ -11221,7 +11265,7 @@
             </a:pPr>
             <a:fld id="{00000000-1234-1234-1234-123412341234}" type="slidenum">
               <a:rPr lang="de-DE"/>
-              <a:t>‹Nr.›</a:t>
+              <a:t>‹#›</a:t>
             </a:fld>
             <a:endParaRPr/>
           </a:p>
@@ -11877,6 +11921,10 @@
             </a:lvl9pPr>
           </a:lstStyle>
           <a:p>
+            <a:r>
+              <a:rPr lang="en-US"/>
+              <a:t>10/5/2019</a:t>
+            </a:r>
             <a:endParaRPr/>
           </a:p>
         </p:txBody>
@@ -12262,7 +12310,7 @@
             </a:pPr>
             <a:fld id="{00000000-1234-1234-1234-123412341234}" type="slidenum">
               <a:rPr lang="de-DE"/>
-              <a:t>‹Nr.›</a:t>
+              <a:t>‹#›</a:t>
             </a:fld>
             <a:endParaRPr/>
           </a:p>
@@ -12284,7 +12332,7 @@
     <p:sldLayoutId id="2147483658" r:id="rId10"/>
     <p:sldLayoutId id="2147483659" r:id="rId11"/>
   </p:sldLayoutIdLst>
-  <p:hf hdr="0" ftr="0" dt="0"/>
+  <p:hf hdr="0" ftr="0"/>
   <p:txStyles>
     <p:titleStyle>
       <a:defPPr marR="0" lvl="0" algn="l" rtl="0">
@@ -13324,7 +13372,7 @@
                   <a:srgbClr val="1BE1A8"/>
                 </a:solidFill>
               </a:rPr>
-              <a:t>steps</a:t>
+              <a:t>Steps</a:t>
             </a:r>
             <a:endParaRPr lang="de-DE" sz="2800" b="1" u="sng" dirty="0">
               <a:solidFill>
@@ -13561,6 +13609,34 @@
                 <a:schemeClr val="tx1"/>
               </a:solidFill>
             </a:endParaRPr>
+          </a:p>
+        </p:txBody>
+      </p:sp>
+      <p:sp>
+        <p:nvSpPr>
+          <p:cNvPr id="3" name="Date Placeholder 2">
+            <a:extLst>
+              <a:ext uri="{FF2B5EF4-FFF2-40B4-BE49-F238E27FC236}">
+                <a16:creationId xmlns:a16="http://schemas.microsoft.com/office/drawing/2014/main" id="{0FD3BB3F-0F04-485B-B431-7D099A9D1E19}"/>
+              </a:ext>
+            </a:extLst>
+          </p:cNvPr>
+          <p:cNvSpPr>
+            <a:spLocks noGrp="1"/>
+          </p:cNvSpPr>
+          <p:nvPr>
+            <p:ph type="dt" idx="10"/>
+          </p:nvPr>
+        </p:nvSpPr>
+        <p:spPr/>
+        <p:txBody>
+          <a:bodyPr/>
+          <a:lstStyle/>
+          <a:p>
+            <a:r>
+              <a:rPr lang="en-US"/>
+              <a:t>10/5/2019</a:t>
+            </a:r>
           </a:p>
         </p:txBody>
       </p:sp>
@@ -14635,21 +14711,8 @@
                   <a:srgbClr val="1BE1A8"/>
                 </a:solidFill>
               </a:rPr>
-              <a:t> </a:t>
-            </a:r>
-            <a:r>
-              <a:rPr lang="de-DE" sz="2800" b="1" u="sng" dirty="0" err="1">
-                <a:solidFill>
-                  <a:srgbClr val="1BE1A8"/>
-                </a:solidFill>
-              </a:rPr>
-              <a:t>year</a:t>
-            </a:r>
-            <a:endParaRPr lang="de-DE" sz="2800" b="1" u="sng" dirty="0">
-              <a:solidFill>
-                <a:srgbClr val="1BE1A8"/>
-              </a:solidFill>
-            </a:endParaRPr>
+              <a:t> Year</a:t>
+            </a:r>
           </a:p>
         </p:txBody>
       </p:sp>
@@ -14674,10 +14737,10 @@
           <a:bodyPr/>
           <a:lstStyle/>
           <a:p>
-            <a:fld id="{7C95C985-B63F-4CCF-83C5-9EDB58BB196F}" type="datetime1">
-              <a:rPr lang="de-DE" smtClean="0"/>
-              <a:t>04.10.2019</a:t>
-            </a:fld>
+            <a:r>
+              <a:rPr lang="en-US"/>
+              <a:t>10/5/2019</a:t>
+            </a:r>
             <a:endParaRPr lang="de-DE"/>
           </a:p>
         </p:txBody>
@@ -14784,21 +14847,8 @@
                   <a:srgbClr val="1BE1A8"/>
                 </a:solidFill>
               </a:rPr>
-              <a:t>Further </a:t>
-            </a:r>
-            <a:r>
-              <a:rPr lang="de-DE" sz="2800" b="1" u="sng" dirty="0" err="1">
-                <a:solidFill>
-                  <a:srgbClr val="1BE1A8"/>
-                </a:solidFill>
-              </a:rPr>
-              <a:t>expansion</a:t>
-            </a:r>
-            <a:endParaRPr lang="de-DE" sz="2800" b="1" u="sng" dirty="0">
-              <a:solidFill>
-                <a:srgbClr val="1BE1A8"/>
-              </a:solidFill>
-            </a:endParaRPr>
+              <a:t>Further Expansion</a:t>
+            </a:r>
           </a:p>
         </p:txBody>
       </p:sp>
@@ -14988,7 +15038,7 @@
         </p:nvSpPr>
         <p:spPr>
           <a:xfrm>
-            <a:off x="5459559" y="2502785"/>
+            <a:off x="5328924" y="2502785"/>
             <a:ext cx="1537840" cy="1856286"/>
           </a:xfrm>
           <a:prstGeom prst="downArrow">
@@ -15001,9 +15051,7 @@
             <a:srgbClr val="1BE1A8"/>
           </a:solidFill>
           <a:ln w="28575">
-            <a:solidFill>
-              <a:schemeClr val="tx1"/>
-            </a:solidFill>
+            <a:noFill/>
           </a:ln>
         </p:spPr>
         <p:style>
@@ -15097,7 +15145,7 @@
         </p:nvSpPr>
         <p:spPr>
           <a:xfrm>
-            <a:off x="5795041" y="2632136"/>
+            <a:off x="5666957" y="2600228"/>
             <a:ext cx="861774" cy="1443571"/>
           </a:xfrm>
           <a:prstGeom prst="rect">
@@ -15144,10 +15192,10 @@
           <a:bodyPr/>
           <a:lstStyle/>
           <a:p>
-            <a:fld id="{D5A008A0-A4D0-42AA-92BC-A9DCA06EFECA}" type="datetime1">
-              <a:rPr lang="de-DE" smtClean="0"/>
-              <a:t>04.10.2019</a:t>
-            </a:fld>
+            <a:r>
+              <a:rPr lang="en-US"/>
+              <a:t>10/5/2019</a:t>
+            </a:r>
             <a:endParaRPr lang="de-DE"/>
           </a:p>
         </p:txBody>
@@ -15234,7 +15282,7 @@
         </p:nvSpPr>
         <p:spPr>
           <a:xfrm>
-            <a:off x="839788" y="260059"/>
+            <a:off x="848497" y="260059"/>
             <a:ext cx="4177717" cy="523220"/>
           </a:xfrm>
           <a:prstGeom prst="rect">
@@ -15254,7 +15302,7 @@
                   <a:srgbClr val="1BE1A8"/>
                 </a:solidFill>
               </a:rPr>
-              <a:t>Business plan</a:t>
+              <a:t>Business Plan</a:t>
             </a:r>
             <a:endParaRPr lang="de-DE" sz="3200" b="1" u="sng" dirty="0">
               <a:solidFill>
@@ -15371,7 +15419,7 @@
         </p:nvSpPr>
         <p:spPr>
           <a:xfrm>
-            <a:off x="1217292" y="1493184"/>
+            <a:off x="1478562" y="1615110"/>
             <a:ext cx="3800213" cy="400110"/>
           </a:xfrm>
           <a:prstGeom prst="rect">
@@ -15416,7 +15464,7 @@
         </p:nvSpPr>
         <p:spPr>
           <a:xfrm>
-            <a:off x="6710493" y="1493184"/>
+            <a:off x="6971763" y="1615110"/>
             <a:ext cx="3800213" cy="400110"/>
           </a:xfrm>
           <a:prstGeom prst="rect">
@@ -15453,8 +15501,8 @@
         </p:nvSpPr>
         <p:spPr>
           <a:xfrm>
-            <a:off x="1308682" y="1493184"/>
-            <a:ext cx="3484928" cy="4588778"/>
+            <a:off x="1569952" y="1493184"/>
+            <a:ext cx="3484928" cy="4528204"/>
           </a:xfrm>
           <a:prstGeom prst="roundRect">
             <a:avLst/>
@@ -15505,8 +15553,8 @@
         </p:nvSpPr>
         <p:spPr>
           <a:xfrm>
-            <a:off x="6868135" y="1493184"/>
-            <a:ext cx="3484928" cy="4588778"/>
+            <a:off x="7138114" y="1484475"/>
+            <a:ext cx="3484928" cy="4528204"/>
           </a:xfrm>
           <a:prstGeom prst="roundRect">
             <a:avLst/>
@@ -15557,7 +15605,7 @@
         </p:nvSpPr>
         <p:spPr>
           <a:xfrm>
-            <a:off x="1436265" y="1893294"/>
+            <a:off x="1697535" y="2102310"/>
             <a:ext cx="3229762" cy="3365024"/>
           </a:xfrm>
           <a:prstGeom prst="rect">
@@ -15766,7 +15814,7 @@
         </p:nvSpPr>
         <p:spPr>
           <a:xfrm>
-            <a:off x="6995718" y="1893294"/>
+            <a:off x="7256988" y="2102310"/>
             <a:ext cx="3229762" cy="2534027"/>
           </a:xfrm>
           <a:prstGeom prst="rect">
@@ -15936,6 +15984,34 @@
               <a:t>shares</a:t>
             </a:r>
             <a:endParaRPr lang="de-DE" sz="1800" dirty="0"/>
+          </a:p>
+        </p:txBody>
+      </p:sp>
+      <p:sp>
+        <p:nvSpPr>
+          <p:cNvPr id="12" name="Date Placeholder 11">
+            <a:extLst>
+              <a:ext uri="{FF2B5EF4-FFF2-40B4-BE49-F238E27FC236}">
+                <a16:creationId xmlns:a16="http://schemas.microsoft.com/office/drawing/2014/main" id="{E69B8FC7-5937-4C1F-9FF6-5AC586A81DAC}"/>
+              </a:ext>
+            </a:extLst>
+          </p:cNvPr>
+          <p:cNvSpPr>
+            <a:spLocks noGrp="1"/>
+          </p:cNvSpPr>
+          <p:nvPr>
+            <p:ph type="dt" idx="10"/>
+          </p:nvPr>
+        </p:nvSpPr>
+        <p:spPr/>
+        <p:txBody>
+          <a:bodyPr/>
+          <a:lstStyle/>
+          <a:p>
+            <a:r>
+              <a:rPr lang="en-US"/>
+              <a:t>10/5/2019</a:t>
+            </a:r>
           </a:p>
         </p:txBody>
       </p:sp>
@@ -16008,8 +16084,8 @@
               <a:buNone/>
             </a:pPr>
             <a:r>
-              <a:rPr lang="de-DE" dirty="0"/>
-              <a:t>9/11/2019</a:t>
+              <a:rPr lang="en-US"/>
+              <a:t>10/5/2019</a:t>
             </a:r>
             <a:endParaRPr dirty="0"/>
           </a:p>
@@ -16658,10 +16734,10 @@
               <a:buNone/>
             </a:pPr>
             <a:r>
-              <a:rPr lang="de-DE"/>
-              <a:t>9/11/2019</a:t>
-            </a:r>
-            <a:endParaRPr/>
+              <a:rPr lang="en-US"/>
+              <a:t>10/5/2019</a:t>
+            </a:r>
+            <a:endParaRPr dirty="0"/>
           </a:p>
         </p:txBody>
       </p:sp>
@@ -17688,8 +17764,8 @@
               <a:buNone/>
             </a:pPr>
             <a:r>
-              <a:rPr lang="de-DE" dirty="0"/>
-              <a:t>9/11/2019</a:t>
+              <a:rPr lang="en-US"/>
+              <a:t>10/5/2019</a:t>
             </a:r>
             <a:endParaRPr dirty="0"/>
           </a:p>
@@ -18598,12 +18674,20 @@
                 <a:solidFill>
                   <a:srgbClr val="1BE1A8"/>
                 </a:solidFill>
+              </a:rPr>
+              <a:t>W</a:t>
+            </a:r>
+            <a:r>
+              <a:rPr lang="de-DE" sz="2800" b="1" u="sng" dirty="0" err="1">
+                <a:solidFill>
+                  <a:srgbClr val="1BE1A8"/>
+                </a:solidFill>
                 <a:latin typeface="Arial"/>
                 <a:ea typeface="Arial"/>
                 <a:cs typeface="Arial"/>
                 <a:sym typeface="Arial"/>
               </a:rPr>
-              <a:t>we</a:t>
+              <a:t>e</a:t>
             </a:r>
             <a:r>
               <a:rPr lang="de-DE" sz="2800" b="1" u="sng" dirty="0">
@@ -18926,8 +19010,8 @@
               <a:buNone/>
             </a:pPr>
             <a:r>
-              <a:rPr lang="de-DE" dirty="0"/>
-              <a:t>9/11/2019</a:t>
+              <a:rPr lang="en-US"/>
+              <a:t>10/5/2019</a:t>
             </a:r>
             <a:endParaRPr dirty="0"/>
           </a:p>
@@ -19038,7 +19122,15 @@
               <a:t> </a:t>
             </a:r>
             <a:r>
-              <a:rPr lang="de-DE" sz="2800" b="1" u="sng" dirty="0" err="1">
+              <a:rPr lang="de-DE" sz="2800" b="1" u="sng" dirty="0">
+                <a:solidFill>
+                  <a:srgbClr val="1BE1A8"/>
+                </a:solidFill>
+              </a:rPr>
+              <a:t>S</a:t>
+            </a:r>
+            <a:r>
+              <a:rPr lang="de-DE" sz="2800" b="1" u="sng" dirty="0">
                 <a:solidFill>
                   <a:srgbClr val="1BE1A8"/>
                 </a:solidFill>
@@ -19047,7 +19139,7 @@
                 <a:cs typeface="Arial"/>
                 <a:sym typeface="Arial"/>
               </a:rPr>
-              <a:t>service</a:t>
+              <a:t>ervice</a:t>
             </a:r>
             <a:endParaRPr sz="2800" b="1" u="sng" dirty="0">
               <a:solidFill>
@@ -19315,8 +19407,8 @@
               <a:buNone/>
             </a:pPr>
             <a:r>
-              <a:rPr lang="de-DE" dirty="0"/>
-              <a:t>9/11/2019</a:t>
+              <a:rPr lang="en-US"/>
+              <a:t>10/5/2019</a:t>
             </a:r>
             <a:endParaRPr dirty="0"/>
           </a:p>
@@ -20221,8 +20313,8 @@
               <a:buNone/>
             </a:pPr>
             <a:r>
-              <a:rPr lang="de-DE" dirty="0"/>
-              <a:t>9/11/2019</a:t>
+              <a:rPr lang="en-US"/>
+              <a:t>10/5/2019</a:t>
             </a:r>
             <a:endParaRPr dirty="0"/>
           </a:p>
@@ -20347,7 +20439,7 @@
           <p:nvPr>
             <p:extLst>
               <p:ext uri="{D42A27DB-BD31-4B8C-83A1-F6EECF244321}">
-                <p14:modId xmlns:p14="http://schemas.microsoft.com/office/powerpoint/2010/main" val="1614129304"/>
+                <p14:modId xmlns:p14="http://schemas.microsoft.com/office/powerpoint/2010/main" val="2877585826"/>
               </p:ext>
             </p:extLst>
           </p:nvPr>
@@ -21215,11 +21307,14 @@
                     <a:lstStyle/>
                     <a:p>
                       <a:pPr algn="ctr"/>
-                      <a:endParaRPr lang="en-US" dirty="0">
-                        <a:solidFill>
-                          <a:srgbClr val="1BE1A8"/>
-                        </a:solidFill>
-                      </a:endParaRPr>
+                      <a:r>
+                        <a:rPr lang="en-US" dirty="0">
+                          <a:solidFill>
+                            <a:srgbClr val="1BE1A8"/>
+                          </a:solidFill>
+                        </a:rPr>
+                        <a:t>STAGE</a:t>
+                      </a:r>
                     </a:p>
                   </a:txBody>
                   <a:tcPr anchor="ctr">
@@ -21547,11 +21642,14 @@
                     <a:lstStyle/>
                     <a:p>
                       <a:pPr algn="ctr"/>
-                      <a:endParaRPr lang="en-US" dirty="0">
-                        <a:solidFill>
-                          <a:srgbClr val="1BE1A8"/>
-                        </a:solidFill>
-                      </a:endParaRPr>
+                      <a:r>
+                        <a:rPr lang="en-US" dirty="0">
+                          <a:solidFill>
+                            <a:srgbClr val="1BE1A8"/>
+                          </a:solidFill>
+                        </a:rPr>
+                        <a:t>No Sign In required</a:t>
+                      </a:r>
                     </a:p>
                   </a:txBody>
                   <a:tcPr anchor="ctr">
@@ -21601,6 +21699,66 @@
                     <a:bodyPr/>
                     <a:lstStyle/>
                     <a:p>
+                      <a:pPr algn="ctr"/>
+                      <a:r>
+                        <a:rPr lang="en-US" sz="3200" dirty="0">
+                          <a:solidFill>
+                            <a:srgbClr val="1BE1A8"/>
+                          </a:solidFill>
+                          <a:latin typeface="Wingdings" panose="05000000000000000000" pitchFamily="2" charset="2"/>
+                        </a:rPr>
+                        <a:t>ü</a:t>
+                      </a:r>
+                    </a:p>
+                  </a:txBody>
+                  <a:tcPr>
+                    <a:lnL w="12700" cap="flat" cmpd="sng" algn="ctr">
+                      <a:solidFill>
+                        <a:schemeClr val="tx1"/>
+                      </a:solidFill>
+                      <a:prstDash val="solid"/>
+                      <a:round/>
+                      <a:headEnd type="none" w="med" len="med"/>
+                      <a:tailEnd type="none" w="med" len="med"/>
+                    </a:lnL>
+                    <a:lnR w="12700" cap="flat" cmpd="sng" algn="ctr">
+                      <a:solidFill>
+                        <a:schemeClr val="tx1"/>
+                      </a:solidFill>
+                      <a:prstDash val="solid"/>
+                      <a:round/>
+                      <a:headEnd type="none" w="med" len="med"/>
+                      <a:tailEnd type="none" w="med" len="med"/>
+                    </a:lnR>
+                    <a:lnT w="12700" cap="flat" cmpd="sng" algn="ctr">
+                      <a:solidFill>
+                        <a:schemeClr val="tx1"/>
+                      </a:solidFill>
+                      <a:prstDash val="solid"/>
+                      <a:round/>
+                      <a:headEnd type="none" w="med" len="med"/>
+                      <a:tailEnd type="none" w="med" len="med"/>
+                    </a:lnT>
+                    <a:lnB w="12700" cap="flat" cmpd="sng" algn="ctr">
+                      <a:solidFill>
+                        <a:schemeClr val="tx1"/>
+                      </a:solidFill>
+                      <a:prstDash val="solid"/>
+                      <a:round/>
+                      <a:headEnd type="none" w="med" len="med"/>
+                      <a:tailEnd type="none" w="med" len="med"/>
+                    </a:lnB>
+                    <a:solidFill>
+                      <a:schemeClr val="bg1"/>
+                    </a:solidFill>
+                  </a:tcPr>
+                </a:tc>
+                <a:tc>
+                  <a:txBody>
+                    <a:bodyPr/>
+                    <a:lstStyle/>
+                    <a:p>
+                      <a:pPr algn="ctr"/>
                       <a:endParaRPr lang="en-US" dirty="0">
                         <a:solidFill>
                           <a:srgbClr val="1BE1A8"/>
@@ -21655,6 +21813,7 @@
                     <a:bodyPr/>
                     <a:lstStyle/>
                     <a:p>
+                      <a:pPr algn="ctr"/>
                       <a:endParaRPr lang="en-US" dirty="0">
                         <a:solidFill>
                           <a:srgbClr val="1BE1A8"/>
@@ -21709,7 +21868,8 @@
                     <a:bodyPr/>
                     <a:lstStyle/>
                     <a:p>
-                      <a:endParaRPr lang="en-US">
+                      <a:pPr algn="ctr"/>
+                      <a:endParaRPr lang="en-US" dirty="0">
                         <a:solidFill>
                           <a:srgbClr val="1BE1A8"/>
                         </a:solidFill>
@@ -21763,60 +21923,7 @@
                     <a:bodyPr/>
                     <a:lstStyle/>
                     <a:p>
-                      <a:endParaRPr lang="en-US">
-                        <a:solidFill>
-                          <a:srgbClr val="1BE1A8"/>
-                        </a:solidFill>
-                      </a:endParaRPr>
-                    </a:p>
-                  </a:txBody>
-                  <a:tcPr>
-                    <a:lnL w="12700" cap="flat" cmpd="sng" algn="ctr">
-                      <a:solidFill>
-                        <a:schemeClr val="tx1"/>
-                      </a:solidFill>
-                      <a:prstDash val="solid"/>
-                      <a:round/>
-                      <a:headEnd type="none" w="med" len="med"/>
-                      <a:tailEnd type="none" w="med" len="med"/>
-                    </a:lnL>
-                    <a:lnR w="12700" cap="flat" cmpd="sng" algn="ctr">
-                      <a:solidFill>
-                        <a:schemeClr val="tx1"/>
-                      </a:solidFill>
-                      <a:prstDash val="solid"/>
-                      <a:round/>
-                      <a:headEnd type="none" w="med" len="med"/>
-                      <a:tailEnd type="none" w="med" len="med"/>
-                    </a:lnR>
-                    <a:lnT w="12700" cap="flat" cmpd="sng" algn="ctr">
-                      <a:solidFill>
-                        <a:schemeClr val="tx1"/>
-                      </a:solidFill>
-                      <a:prstDash val="solid"/>
-                      <a:round/>
-                      <a:headEnd type="none" w="med" len="med"/>
-                      <a:tailEnd type="none" w="med" len="med"/>
-                    </a:lnT>
-                    <a:lnB w="12700" cap="flat" cmpd="sng" algn="ctr">
-                      <a:solidFill>
-                        <a:schemeClr val="tx1"/>
-                      </a:solidFill>
-                      <a:prstDash val="solid"/>
-                      <a:round/>
-                      <a:headEnd type="none" w="med" len="med"/>
-                      <a:tailEnd type="none" w="med" len="med"/>
-                    </a:lnB>
-                    <a:solidFill>
-                      <a:schemeClr val="bg1"/>
-                    </a:solidFill>
-                  </a:tcPr>
-                </a:tc>
-                <a:tc>
-                  <a:txBody>
-                    <a:bodyPr/>
-                    <a:lstStyle/>
-                    <a:p>
+                      <a:pPr algn="ctr"/>
                       <a:endParaRPr lang="en-US" dirty="0">
                         <a:solidFill>
                           <a:srgbClr val="1BE1A8"/>
@@ -21933,7 +22040,7 @@
                     <a:bodyPr/>
                     <a:lstStyle/>
                     <a:p>
-                      <a:endParaRPr lang="en-US">
+                      <a:endParaRPr lang="en-US" dirty="0">
                         <a:solidFill>
                           <a:srgbClr val="1BE1A8"/>
                         </a:solidFill>
@@ -23287,7 +23394,7 @@
         <p:spPr>
           <a:xfrm>
             <a:off x="839788" y="293615"/>
-            <a:ext cx="4804095" cy="523220"/>
+            <a:ext cx="5465218" cy="523220"/>
           </a:xfrm>
           <a:prstGeom prst="rect">
             <a:avLst/>
@@ -23314,7 +23421,7 @@
                   <a:srgbClr val="1BE1A8"/>
                 </a:solidFill>
               </a:rPr>
-              <a:t>selling</a:t>
+              <a:t>Selling</a:t>
             </a:r>
             <a:r>
               <a:rPr lang="de-DE" sz="2800" b="1" u="sng" dirty="0">
@@ -23330,7 +23437,7 @@
                   <a:srgbClr val="1BE1A8"/>
                 </a:solidFill>
               </a:rPr>
-              <a:t>proposition</a:t>
+              <a:t>Propositions</a:t>
             </a:r>
             <a:endParaRPr lang="de-DE" sz="2800" b="1" u="sng" dirty="0">
               <a:solidFill>
@@ -23465,6 +23572,34 @@
               <a:t>universities</a:t>
             </a:r>
             <a:endParaRPr lang="de-DE" sz="2000" dirty="0"/>
+          </a:p>
+        </p:txBody>
+      </p:sp>
+      <p:sp>
+        <p:nvSpPr>
+          <p:cNvPr id="5" name="Date Placeholder 4">
+            <a:extLst>
+              <a:ext uri="{FF2B5EF4-FFF2-40B4-BE49-F238E27FC236}">
+                <a16:creationId xmlns:a16="http://schemas.microsoft.com/office/drawing/2014/main" id="{579EC3B2-39A7-41B9-83AA-2AADA089DBCA}"/>
+              </a:ext>
+            </a:extLst>
+          </p:cNvPr>
+          <p:cNvSpPr>
+            <a:spLocks noGrp="1"/>
+          </p:cNvSpPr>
+          <p:nvPr>
+            <p:ph type="dt" idx="10"/>
+          </p:nvPr>
+        </p:nvSpPr>
+        <p:spPr/>
+        <p:txBody>
+          <a:bodyPr/>
+          <a:lstStyle/>
+          <a:p>
+            <a:r>
+              <a:rPr lang="en-US"/>
+              <a:t>10/5/2019</a:t>
+            </a:r>
           </a:p>
         </p:txBody>
       </p:sp>
@@ -23570,7 +23705,7 @@
                   <a:srgbClr val="1BE1A8"/>
                 </a:solidFill>
               </a:rPr>
-              <a:t>Status quo</a:t>
+              <a:t>Status Quo</a:t>
             </a:r>
           </a:p>
         </p:txBody>
@@ -24028,6 +24163,34 @@
                 </a:solidFill>
               </a:rPr>
               <a:t>Additional Features</a:t>
+            </a:r>
+          </a:p>
+        </p:txBody>
+      </p:sp>
+      <p:sp>
+        <p:nvSpPr>
+          <p:cNvPr id="4" name="Date Placeholder 3">
+            <a:extLst>
+              <a:ext uri="{FF2B5EF4-FFF2-40B4-BE49-F238E27FC236}">
+                <a16:creationId xmlns:a16="http://schemas.microsoft.com/office/drawing/2014/main" id="{12985675-3634-422D-A441-FDF29C530EC0}"/>
+              </a:ext>
+            </a:extLst>
+          </p:cNvPr>
+          <p:cNvSpPr>
+            <a:spLocks noGrp="1"/>
+          </p:cNvSpPr>
+          <p:nvPr>
+            <p:ph type="dt" idx="10"/>
+          </p:nvPr>
+        </p:nvSpPr>
+        <p:spPr/>
+        <p:txBody>
+          <a:bodyPr/>
+          <a:lstStyle/>
+          <a:p>
+            <a:r>
+              <a:rPr lang="en-US"/>
+              <a:t>10/5/2019</a:t>
             </a:r>
           </a:p>
         </p:txBody>

--- a/Documents/FoundingBuddies_Pitch.pptx
+++ b/Documents/FoundingBuddies_Pitch.pptx
@@ -289,7 +289,7 @@
       </p15:sldGuideLst>
     </p:ext>
     <p:ext uri="http://customooxmlschemas.google.com/">
-      <go:slidesCustomData xmlns:go="http://customooxmlschemas.google.com/" xmlns:p15="http://schemas.microsoft.com/office/powerpoint/2012/main" xmlns:p14="http://schemas.microsoft.com/office/powerpoint/2010/main" xmlns:com="http://schemas.openxmlformats.org/drawingml/2006/compatibility" xmlns:pvml="urn:schemas-microsoft-com:office:powerpoint" xmlns:v="urn:schemas-microsoft-com:vml" xmlns:o="urn:schemas-microsoft-com:office:office" xmlns:dgm="http://schemas.openxmlformats.org/drawingml/2006/diagram" xmlns:c="http://schemas.openxmlformats.org/drawingml/2006/chart" xmlns:mv="urn:schemas-microsoft-com:mac:vml" xmlns:mc="http://schemas.openxmlformats.org/markup-compatibility/2006" xmlns="" r:id="rId16" roundtripDataSignature="AMtx7miPr667UYF9sXkcN0EMU6WIr85DMA=="/>
+      <go:slidesCustomData xmlns="" xmlns:mc="http://schemas.openxmlformats.org/markup-compatibility/2006" xmlns:mv="urn:schemas-microsoft-com:mac:vml" xmlns:c="http://schemas.openxmlformats.org/drawingml/2006/chart" xmlns:dgm="http://schemas.openxmlformats.org/drawingml/2006/diagram" xmlns:o="urn:schemas-microsoft-com:office:office" xmlns:v="urn:schemas-microsoft-com:vml" xmlns:pvml="urn:schemas-microsoft-com:office:powerpoint" xmlns:com="http://schemas.openxmlformats.org/drawingml/2006/compatibility" xmlns:p14="http://schemas.microsoft.com/office/powerpoint/2010/main" xmlns:p15="http://schemas.microsoft.com/office/powerpoint/2012/main" xmlns:go="http://customooxmlschemas.google.com/" r:id="rId16" roundtripDataSignature="AMtx7miPr667UYF9sXkcN0EMU6WIr85DMA=="/>
     </p:ext>
   </p:extLst>
 </p:presentation>
@@ -1239,7 +1239,7 @@
                 <a:cs typeface="Calibri"/>
                 <a:sym typeface="Calibri"/>
               </a:rPr>
-              <a:t>‹#›</a:t>
+              <a:t>‹Nr.›</a:t>
             </a:fld>
             <a:endParaRPr sz="1200" b="0" i="0" u="none" strike="noStrike" cap="none">
               <a:solidFill>
@@ -3226,7 +3226,7 @@
             </a:pPr>
             <a:fld id="{00000000-1234-1234-1234-123412341234}" type="slidenum">
               <a:rPr lang="de-DE"/>
-              <a:t>‹#›</a:t>
+              <a:t>‹Nr.›</a:t>
             </a:fld>
             <a:endParaRPr/>
           </a:p>
@@ -3957,7 +3957,7 @@
             </a:pPr>
             <a:fld id="{00000000-1234-1234-1234-123412341234}" type="slidenum">
               <a:rPr lang="de-DE"/>
-              <a:t>‹#›</a:t>
+              <a:t>‹Nr.›</a:t>
             </a:fld>
             <a:endParaRPr/>
           </a:p>
@@ -4688,7 +4688,7 @@
             </a:pPr>
             <a:fld id="{00000000-1234-1234-1234-123412341234}" type="slidenum">
               <a:rPr lang="de-DE"/>
-              <a:t>‹#›</a:t>
+              <a:t>‹Nr.›</a:t>
             </a:fld>
             <a:endParaRPr/>
           </a:p>
@@ -5093,7 +5093,7 @@
             </a:pPr>
             <a:fld id="{00000000-1234-1234-1234-123412341234}" type="slidenum">
               <a:rPr lang="de-DE"/>
-              <a:t>‹#›</a:t>
+              <a:t>‹Nr.›</a:t>
             </a:fld>
             <a:endParaRPr/>
           </a:p>
@@ -5824,7 +5824,7 @@
             </a:pPr>
             <a:fld id="{00000000-1234-1234-1234-123412341234}" type="slidenum">
               <a:rPr lang="de-DE"/>
-              <a:t>‹#›</a:t>
+              <a:t>‹Nr.›</a:t>
             </a:fld>
             <a:endParaRPr/>
           </a:p>
@@ -6592,7 +6592,7 @@
             </a:pPr>
             <a:fld id="{00000000-1234-1234-1234-123412341234}" type="slidenum">
               <a:rPr lang="de-DE"/>
-              <a:t>‹#›</a:t>
+              <a:t>‹Nr.›</a:t>
             </a:fld>
             <a:endParaRPr/>
           </a:p>
@@ -7510,7 +7510,7 @@
             </a:pPr>
             <a:fld id="{00000000-1234-1234-1234-123412341234}" type="slidenum">
               <a:rPr lang="de-DE"/>
-              <a:t>‹#›</a:t>
+              <a:t>‹Nr.›</a:t>
             </a:fld>
             <a:endParaRPr/>
           </a:p>
@@ -8802,7 +8802,7 @@
             </a:pPr>
             <a:fld id="{00000000-1234-1234-1234-123412341234}" type="slidenum">
               <a:rPr lang="de-DE"/>
-              <a:t>‹#›</a:t>
+              <a:t>‹Nr.›</a:t>
             </a:fld>
             <a:endParaRPr/>
           </a:p>
@@ -9346,7 +9346,7 @@
             </a:pPr>
             <a:fld id="{00000000-1234-1234-1234-123412341234}" type="slidenum">
               <a:rPr lang="de-DE"/>
-              <a:t>‹#›</a:t>
+              <a:t>‹Nr.›</a:t>
             </a:fld>
             <a:endParaRPr/>
           </a:p>
@@ -10265,7 +10265,7 @@
             </a:pPr>
             <a:fld id="{00000000-1234-1234-1234-123412341234}" type="slidenum">
               <a:rPr lang="de-DE"/>
-              <a:t>‹#›</a:t>
+              <a:t>‹Nr.›</a:t>
             </a:fld>
             <a:endParaRPr/>
           </a:p>
@@ -11265,7 +11265,7 @@
             </a:pPr>
             <a:fld id="{00000000-1234-1234-1234-123412341234}" type="slidenum">
               <a:rPr lang="de-DE"/>
-              <a:t>‹#›</a:t>
+              <a:t>‹Nr.›</a:t>
             </a:fld>
             <a:endParaRPr/>
           </a:p>
@@ -12310,7 +12310,7 @@
             </a:pPr>
             <a:fld id="{00000000-1234-1234-1234-123412341234}" type="slidenum">
               <a:rPr lang="de-DE"/>
-              <a:t>‹#›</a:t>
+              <a:t>‹Nr.›</a:t>
             </a:fld>
             <a:endParaRPr/>
           </a:p>
@@ -20439,14 +20439,14 @@
           <p:nvPr>
             <p:extLst>
               <p:ext uri="{D42A27DB-BD31-4B8C-83A1-F6EECF244321}">
-                <p14:modId xmlns:p14="http://schemas.microsoft.com/office/powerpoint/2010/main" val="2877585826"/>
+                <p14:modId xmlns:p14="http://schemas.microsoft.com/office/powerpoint/2010/main" val="3750572625"/>
               </p:ext>
             </p:extLst>
           </p:nvPr>
         </p:nvGraphicFramePr>
         <p:xfrm>
           <a:off x="839787" y="1102466"/>
-          <a:ext cx="10512427" cy="5035575"/>
+          <a:ext cx="10512427" cy="3307635"/>
         </p:xfrm>
         <a:graphic>
           <a:graphicData uri="http://schemas.openxmlformats.org/drawingml/2006/table">
@@ -20931,7 +20931,7 @@
                             <a:srgbClr val="1BE1A8"/>
                           </a:solidFill>
                         </a:rPr>
-                        <a:t>MARKET</a:t>
+                        <a:t>Target Group</a:t>
                       </a:r>
                     </a:p>
                   </a:txBody>
@@ -20982,17 +20982,18 @@
                     <a:bodyPr/>
                     <a:lstStyle/>
                     <a:p>
+                      <a:pPr algn="ctr"/>
                       <a:r>
                         <a:rPr lang="en-US" dirty="0">
                           <a:solidFill>
                             <a:srgbClr val="1BE1A8"/>
                           </a:solidFill>
                         </a:rPr>
-                        <a:t>Idea-stage projects  from universities</a:t>
+                        <a:t>Students</a:t>
                       </a:r>
                     </a:p>
                   </a:txBody>
-                  <a:tcPr>
+                  <a:tcPr anchor="ctr">
                     <a:lnL w="12700" cap="flat" cmpd="sng" algn="ctr">
                       <a:solidFill>
                         <a:schemeClr val="tx1"/>
@@ -21039,17 +21040,26 @@
                     <a:bodyPr/>
                     <a:lstStyle/>
                     <a:p>
+                      <a:pPr algn="ctr"/>
+                      <a:r>
+                        <a:rPr lang="en-US" dirty="0" err="1">
+                          <a:solidFill>
+                            <a:srgbClr val="1BE1A8"/>
+                          </a:solidFill>
+                        </a:rPr>
+                        <a:t>Cofoundes</a:t>
+                      </a:r>
                       <a:r>
                         <a:rPr lang="en-US" dirty="0">
                           <a:solidFill>
                             <a:srgbClr val="1BE1A8"/>
                           </a:solidFill>
                         </a:rPr>
-                        <a:t>All stage projects rarely university </a:t>
+                        <a:t>, Mentors, Business Angels</a:t>
                       </a:r>
                     </a:p>
                   </a:txBody>
-                  <a:tcPr>
+                  <a:tcPr anchor="ctr">
                     <a:lnL w="12700" cap="flat" cmpd="sng" algn="ctr">
                       <a:solidFill>
                         <a:schemeClr val="tx1"/>
@@ -21096,30 +21106,18 @@
                     <a:bodyPr/>
                     <a:lstStyle/>
                     <a:p>
+                      <a:pPr algn="ctr"/>
                       <a:r>
                         <a:rPr lang="en-US" dirty="0">
                           <a:solidFill>
                             <a:srgbClr val="1BE1A8"/>
                           </a:solidFill>
                         </a:rPr>
-                        <a:t>All stage projects far enough for the </a:t>
+                        <a:t>?</a:t>
                       </a:r>
-                      <a:r>
-                        <a:rPr lang="en-US" dirty="0" err="1">
-                          <a:solidFill>
-                            <a:srgbClr val="1BE1A8"/>
-                          </a:solidFill>
-                        </a:rPr>
-                        <a:t>UnternehmerTUM</a:t>
-                      </a:r>
-                      <a:endParaRPr lang="en-US" dirty="0">
-                        <a:solidFill>
-                          <a:srgbClr val="1BE1A8"/>
-                        </a:solidFill>
-                      </a:endParaRPr>
                     </a:p>
                   </a:txBody>
-                  <a:tcPr>
+                  <a:tcPr anchor="ctr">
                     <a:lnL w="12700" cap="flat" cmpd="sng" algn="ctr">
                       <a:solidFill>
                         <a:schemeClr val="tx1"/>
@@ -21166,17 +21164,18 @@
                     <a:bodyPr/>
                     <a:lstStyle/>
                     <a:p>
+                      <a:pPr algn="ctr"/>
                       <a:r>
                         <a:rPr lang="en-US" dirty="0">
                           <a:solidFill>
                             <a:srgbClr val="1BE1A8"/>
                           </a:solidFill>
                         </a:rPr>
-                        <a:t>All stage projects mostly outside of Germany</a:t>
+                        <a:t>All Potential Founders</a:t>
                       </a:r>
                     </a:p>
                   </a:txBody>
-                  <a:tcPr>
+                  <a:tcPr anchor="ctr">
                     <a:lnL w="12700" cap="flat" cmpd="sng" algn="ctr">
                       <a:solidFill>
                         <a:schemeClr val="tx1"/>
@@ -21223,7 +21222,7 @@
                     <a:bodyPr/>
                     <a:lstStyle/>
                     <a:p>
-                      <a:pPr marL="0" marR="0" lvl="0" indent="0" algn="l" defTabSz="914400" rtl="0" eaLnBrk="1" fontAlgn="auto" latinLnBrk="0" hangingPunct="1">
+                      <a:pPr marL="0" marR="0" lvl="0" indent="0" algn="ctr" defTabSz="914400" rtl="0" eaLnBrk="1" fontAlgn="auto" latinLnBrk="0" hangingPunct="1">
                         <a:lnSpc>
                           <a:spcPct val="100000"/>
                         </a:lnSpc>
@@ -21248,11 +21247,19 @@
                             <a:srgbClr val="1BE1A8"/>
                           </a:solidFill>
                         </a:rPr>
-                        <a:t>All stage projects mostly outside of Germany</a:t>
+                        <a:t>All Potential </a:t>
+                      </a:r>
+                      <a:r>
+                        <a:rPr lang="en-US" dirty="0">
+                          <a:solidFill>
+                            <a:srgbClr val="1BE1A8"/>
+                          </a:solidFill>
+                        </a:rPr>
+                        <a:t>Founders</a:t>
                       </a:r>
                     </a:p>
                   </a:txBody>
-                  <a:tcPr>
+                  <a:tcPr anchor="ctr">
                     <a:lnL w="12700" cap="flat" cmpd="sng" algn="ctr">
                       <a:solidFill>
                         <a:schemeClr val="tx1"/>
@@ -21313,7 +21320,7 @@
                             <a:srgbClr val="1BE1A8"/>
                           </a:solidFill>
                         </a:rPr>
-                        <a:t>STAGE</a:t>
+                        <a:t>Supported Stages</a:t>
                       </a:r>
                     </a:p>
                   </a:txBody>
@@ -21364,14 +21371,18 @@
                     <a:bodyPr/>
                     <a:lstStyle/>
                     <a:p>
-                      <a:endParaRPr lang="en-US" dirty="0">
-                        <a:solidFill>
-                          <a:srgbClr val="1BE1A8"/>
-                        </a:solidFill>
-                      </a:endParaRPr>
+                      <a:pPr algn="ctr"/>
+                      <a:r>
+                        <a:rPr lang="en-US" dirty="0">
+                          <a:solidFill>
+                            <a:srgbClr val="1BE1A8"/>
+                          </a:solidFill>
+                        </a:rPr>
+                        <a:t>Idea</a:t>
+                      </a:r>
                     </a:p>
                   </a:txBody>
-                  <a:tcPr>
+                  <a:tcPr anchor="ctr">
                     <a:lnL w="12700" cap="flat" cmpd="sng" algn="ctr">
                       <a:solidFill>
                         <a:schemeClr val="tx1"/>
@@ -21418,6 +21429,23 @@
                     <a:bodyPr/>
                     <a:lstStyle/>
                     <a:p>
+                      <a:pPr algn="ctr"/>
+                      <a:r>
+                        <a:rPr lang="en-US" dirty="0">
+                          <a:solidFill>
+                            <a:srgbClr val="1BE1A8"/>
+                          </a:solidFill>
+                        </a:rPr>
+                        <a:t>Idea-Fundraising/</a:t>
+                      </a:r>
+                      <a:r>
+                        <a:rPr lang="en-US" dirty="0" err="1">
+                          <a:solidFill>
+                            <a:srgbClr val="1BE1A8"/>
+                          </a:solidFill>
+                        </a:rPr>
+                        <a:t>Cooperations</a:t>
+                      </a:r>
                       <a:endParaRPr lang="en-US" dirty="0">
                         <a:solidFill>
                           <a:srgbClr val="1BE1A8"/>
@@ -21425,7 +21453,7 @@
                       </a:endParaRPr>
                     </a:p>
                   </a:txBody>
-                  <a:tcPr>
+                  <a:tcPr anchor="ctr">
                     <a:lnL w="12700" cap="flat" cmpd="sng" algn="ctr">
                       <a:solidFill>
                         <a:schemeClr val="tx1"/>
@@ -21472,14 +21500,18 @@
                     <a:bodyPr/>
                     <a:lstStyle/>
                     <a:p>
-                      <a:endParaRPr lang="en-US">
-                        <a:solidFill>
-                          <a:srgbClr val="1BE1A8"/>
-                        </a:solidFill>
-                      </a:endParaRPr>
+                      <a:pPr algn="ctr"/>
+                      <a:r>
+                        <a:rPr lang="en-US" dirty="0">
+                          <a:solidFill>
+                            <a:srgbClr val="1BE1A8"/>
+                          </a:solidFill>
+                        </a:rPr>
+                        <a:t>Complete Consultation</a:t>
+                      </a:r>
                     </a:p>
                   </a:txBody>
-                  <a:tcPr>
+                  <a:tcPr anchor="ctr">
                     <a:lnL w="12700" cap="flat" cmpd="sng" algn="ctr">
                       <a:solidFill>
                         <a:schemeClr val="tx1"/>
@@ -21526,14 +21558,18 @@
                     <a:bodyPr/>
                     <a:lstStyle/>
                     <a:p>
-                      <a:endParaRPr lang="en-US">
-                        <a:solidFill>
-                          <a:srgbClr val="1BE1A8"/>
-                        </a:solidFill>
-                      </a:endParaRPr>
+                      <a:pPr algn="ctr"/>
+                      <a:r>
+                        <a:rPr lang="en-US" dirty="0">
+                          <a:solidFill>
+                            <a:srgbClr val="1BE1A8"/>
+                          </a:solidFill>
+                        </a:rPr>
+                        <a:t>Idea</a:t>
+                      </a:r>
                     </a:p>
                   </a:txBody>
-                  <a:tcPr>
+                  <a:tcPr anchor="ctr">
                     <a:lnL w="12700" cap="flat" cmpd="sng" algn="ctr">
                       <a:solidFill>
                         <a:schemeClr val="tx1"/>
@@ -21580,14 +21616,18 @@
                     <a:bodyPr/>
                     <a:lstStyle/>
                     <a:p>
-                      <a:endParaRPr lang="en-US" dirty="0">
-                        <a:solidFill>
-                          <a:srgbClr val="1BE1A8"/>
-                        </a:solidFill>
-                      </a:endParaRPr>
+                      <a:pPr algn="ctr"/>
+                      <a:r>
+                        <a:rPr lang="en-US" dirty="0">
+                          <a:solidFill>
+                            <a:srgbClr val="1BE1A8"/>
+                          </a:solidFill>
+                        </a:rPr>
+                        <a:t>Idea</a:t>
+                      </a:r>
                     </a:p>
                   </a:txBody>
-                  <a:tcPr>
+                  <a:tcPr anchor="ctr">
                     <a:lnL w="12700" cap="flat" cmpd="sng" algn="ctr">
                       <a:solidFill>
                         <a:schemeClr val="tx1"/>
@@ -21648,7 +21688,7 @@
                             <a:srgbClr val="1BE1A8"/>
                           </a:solidFill>
                         </a:rPr>
-                        <a:t>No Sign In required</a:t>
+                        <a:t>No Sign-In required</a:t>
                       </a:r>
                     </a:p>
                   </a:txBody>
@@ -21711,7 +21751,7 @@
                       </a:r>
                     </a:p>
                   </a:txBody>
-                  <a:tcPr>
+                  <a:tcPr anchor="ctr">
                     <a:lnL w="12700" cap="flat" cmpd="sng" algn="ctr">
                       <a:solidFill>
                         <a:schemeClr val="tx1"/>
@@ -21758,15 +21798,46 @@
                     <a:bodyPr/>
                     <a:lstStyle/>
                     <a:p>
-                      <a:pPr algn="ctr"/>
-                      <a:endParaRPr lang="en-US" dirty="0">
-                        <a:solidFill>
-                          <a:srgbClr val="1BE1A8"/>
-                        </a:solidFill>
-                      </a:endParaRPr>
+                      <a:pPr marL="0" marR="0" lvl="0" indent="0" algn="ctr" defTabSz="914400" rtl="0" eaLnBrk="1" fontAlgn="auto" latinLnBrk="0" hangingPunct="1">
+                        <a:lnSpc>
+                          <a:spcPct val="100000"/>
+                        </a:lnSpc>
+                        <a:spcBef>
+                          <a:spcPts val="0"/>
+                        </a:spcBef>
+                        <a:spcAft>
+                          <a:spcPts val="0"/>
+                        </a:spcAft>
+                        <a:buClr>
+                          <a:srgbClr val="000000"/>
+                        </a:buClr>
+                        <a:buSzTx/>
+                        <a:buFont typeface="Arial"/>
+                        <a:buNone/>
+                        <a:tabLst/>
+                        <a:defRPr/>
+                      </a:pPr>
+                      <a:r>
+                        <a:rPr kumimoji="0" lang="en-US" sz="3200" b="0" i="0" u="none" strike="noStrike" kern="0" cap="none" spc="0" normalizeH="0" baseline="0" noProof="0" dirty="0">
+                          <a:ln>
+                            <a:noFill/>
+                          </a:ln>
+                          <a:solidFill>
+                            <a:srgbClr val="1BE1A8"/>
+                          </a:solidFill>
+                          <a:effectLst/>
+                          <a:uLnTx/>
+                          <a:uFillTx/>
+                          <a:latin typeface="Wingdings" panose="05000000000000000000" pitchFamily="2" charset="2"/>
+                          <a:ea typeface="+mn-ea"/>
+                          <a:cs typeface="+mn-cs"/>
+                          <a:sym typeface="Arial"/>
+                        </a:rPr>
+                        <a:t>ü</a:t>
+                      </a:r>
                     </a:p>
                   </a:txBody>
-                  <a:tcPr>
+                  <a:tcPr anchor="ctr">
                     <a:lnL w="12700" cap="flat" cmpd="sng" algn="ctr">
                       <a:solidFill>
                         <a:schemeClr val="tx1"/>
@@ -21813,15 +21884,46 @@
                     <a:bodyPr/>
                     <a:lstStyle/>
                     <a:p>
-                      <a:pPr algn="ctr"/>
-                      <a:endParaRPr lang="en-US" dirty="0">
-                        <a:solidFill>
-                          <a:srgbClr val="1BE1A8"/>
-                        </a:solidFill>
-                      </a:endParaRPr>
+                      <a:pPr marL="0" marR="0" lvl="0" indent="0" algn="ctr" defTabSz="914400" rtl="0" eaLnBrk="1" fontAlgn="auto" latinLnBrk="0" hangingPunct="1">
+                        <a:lnSpc>
+                          <a:spcPct val="100000"/>
+                        </a:lnSpc>
+                        <a:spcBef>
+                          <a:spcPts val="0"/>
+                        </a:spcBef>
+                        <a:spcAft>
+                          <a:spcPts val="0"/>
+                        </a:spcAft>
+                        <a:buClr>
+                          <a:srgbClr val="000000"/>
+                        </a:buClr>
+                        <a:buSzTx/>
+                        <a:buFont typeface="Arial"/>
+                        <a:buNone/>
+                        <a:tabLst/>
+                        <a:defRPr/>
+                      </a:pPr>
+                      <a:r>
+                        <a:rPr kumimoji="0" lang="en-US" sz="3200" b="0" i="0" u="none" strike="noStrike" kern="0" cap="none" spc="0" normalizeH="0" baseline="0" noProof="0" dirty="0">
+                          <a:ln>
+                            <a:noFill/>
+                          </a:ln>
+                          <a:solidFill>
+                            <a:srgbClr val="1BE1A8"/>
+                          </a:solidFill>
+                          <a:effectLst/>
+                          <a:uLnTx/>
+                          <a:uFillTx/>
+                          <a:latin typeface="Wingdings" panose="05000000000000000000" pitchFamily="2" charset="2"/>
+                          <a:ea typeface="+mn-ea"/>
+                          <a:cs typeface="+mn-cs"/>
+                          <a:sym typeface="Arial"/>
+                        </a:rPr>
+                        <a:t>û</a:t>
+                      </a:r>
                     </a:p>
                   </a:txBody>
-                  <a:tcPr>
+                  <a:tcPr anchor="ctr">
                     <a:lnL w="12700" cap="flat" cmpd="sng" algn="ctr">
                       <a:solidFill>
                         <a:schemeClr val="tx1"/>
@@ -21868,15 +21970,46 @@
                     <a:bodyPr/>
                     <a:lstStyle/>
                     <a:p>
-                      <a:pPr algn="ctr"/>
-                      <a:endParaRPr lang="en-US" dirty="0">
-                        <a:solidFill>
-                          <a:srgbClr val="1BE1A8"/>
-                        </a:solidFill>
-                      </a:endParaRPr>
+                      <a:pPr marL="0" marR="0" lvl="0" indent="0" algn="ctr" defTabSz="914400" rtl="0" eaLnBrk="1" fontAlgn="auto" latinLnBrk="0" hangingPunct="1">
+                        <a:lnSpc>
+                          <a:spcPct val="100000"/>
+                        </a:lnSpc>
+                        <a:spcBef>
+                          <a:spcPts val="0"/>
+                        </a:spcBef>
+                        <a:spcAft>
+                          <a:spcPts val="0"/>
+                        </a:spcAft>
+                        <a:buClr>
+                          <a:srgbClr val="000000"/>
+                        </a:buClr>
+                        <a:buSzTx/>
+                        <a:buFont typeface="Arial"/>
+                        <a:buNone/>
+                        <a:tabLst/>
+                        <a:defRPr/>
+                      </a:pPr>
+                      <a:r>
+                        <a:rPr kumimoji="0" lang="en-US" sz="3200" b="0" i="0" u="none" strike="noStrike" kern="0" cap="none" spc="0" normalizeH="0" baseline="0" noProof="0" dirty="0">
+                          <a:ln>
+                            <a:noFill/>
+                          </a:ln>
+                          <a:solidFill>
+                            <a:srgbClr val="1BE1A8"/>
+                          </a:solidFill>
+                          <a:effectLst/>
+                          <a:uLnTx/>
+                          <a:uFillTx/>
+                          <a:latin typeface="Wingdings" panose="05000000000000000000" pitchFamily="2" charset="2"/>
+                          <a:ea typeface="+mn-ea"/>
+                          <a:cs typeface="+mn-cs"/>
+                          <a:sym typeface="Arial"/>
+                        </a:rPr>
+                        <a:t>û</a:t>
+                      </a:r>
                     </a:p>
                   </a:txBody>
-                  <a:tcPr>
+                  <a:tcPr anchor="ctr">
                     <a:lnL w="12700" cap="flat" cmpd="sng" algn="ctr">
                       <a:solidFill>
                         <a:schemeClr val="tx1"/>
@@ -21923,15 +22056,46 @@
                     <a:bodyPr/>
                     <a:lstStyle/>
                     <a:p>
-                      <a:pPr algn="ctr"/>
-                      <a:endParaRPr lang="en-US" dirty="0">
-                        <a:solidFill>
-                          <a:srgbClr val="1BE1A8"/>
-                        </a:solidFill>
-                      </a:endParaRPr>
+                      <a:pPr marL="0" marR="0" lvl="0" indent="0" algn="ctr" defTabSz="914400" rtl="0" eaLnBrk="1" fontAlgn="auto" latinLnBrk="0" hangingPunct="1">
+                        <a:lnSpc>
+                          <a:spcPct val="100000"/>
+                        </a:lnSpc>
+                        <a:spcBef>
+                          <a:spcPts val="0"/>
+                        </a:spcBef>
+                        <a:spcAft>
+                          <a:spcPts val="0"/>
+                        </a:spcAft>
+                        <a:buClr>
+                          <a:srgbClr val="000000"/>
+                        </a:buClr>
+                        <a:buSzTx/>
+                        <a:buFont typeface="Arial"/>
+                        <a:buNone/>
+                        <a:tabLst/>
+                        <a:defRPr/>
+                      </a:pPr>
+                      <a:r>
+                        <a:rPr kumimoji="0" lang="en-US" sz="3200" b="0" i="0" u="none" strike="noStrike" kern="0" cap="none" spc="0" normalizeH="0" baseline="0" noProof="0" dirty="0">
+                          <a:ln>
+                            <a:noFill/>
+                          </a:ln>
+                          <a:solidFill>
+                            <a:srgbClr val="1BE1A8"/>
+                          </a:solidFill>
+                          <a:effectLst/>
+                          <a:uLnTx/>
+                          <a:uFillTx/>
+                          <a:latin typeface="Wingdings" panose="05000000000000000000" pitchFamily="2" charset="2"/>
+                          <a:ea typeface="+mn-ea"/>
+                          <a:cs typeface="+mn-cs"/>
+                          <a:sym typeface="Arial"/>
+                        </a:rPr>
+                        <a:t>û</a:t>
+                      </a:r>
                     </a:p>
                   </a:txBody>
-                  <a:tcPr>
+                  <a:tcPr anchor="ctr">
                     <a:lnL w="12700" cap="flat" cmpd="sng" algn="ctr">
                       <a:solidFill>
                         <a:schemeClr val="tx1"/>
@@ -22311,1006 +22475,49 @@
                   </a:ext>
                 </a:extLst>
               </a:tr>
-              <a:tr h="614865">
-                <a:tc>
-                  <a:txBody>
-                    <a:bodyPr/>
-                    <a:lstStyle/>
-                    <a:p>
-                      <a:pPr algn="ctr"/>
-                      <a:endParaRPr lang="en-US" dirty="0">
-                        <a:solidFill>
-                          <a:srgbClr val="1BE1A8"/>
-                        </a:solidFill>
-                      </a:endParaRPr>
-                    </a:p>
-                  </a:txBody>
-                  <a:tcPr anchor="ctr">
-                    <a:lnL w="12700" cap="flat" cmpd="sng" algn="ctr">
-                      <a:solidFill>
-                        <a:schemeClr val="tx1"/>
-                      </a:solidFill>
-                      <a:prstDash val="solid"/>
-                      <a:round/>
-                      <a:headEnd type="none" w="med" len="med"/>
-                      <a:tailEnd type="none" w="med" len="med"/>
-                    </a:lnL>
-                    <a:lnR w="12700" cap="flat" cmpd="sng" algn="ctr">
-                      <a:solidFill>
-                        <a:schemeClr val="tx1"/>
-                      </a:solidFill>
-                      <a:prstDash val="solid"/>
-                      <a:round/>
-                      <a:headEnd type="none" w="med" len="med"/>
-                      <a:tailEnd type="none" w="med" len="med"/>
-                    </a:lnR>
-                    <a:lnT w="12700" cap="flat" cmpd="sng" algn="ctr">
-                      <a:solidFill>
-                        <a:schemeClr val="tx1"/>
-                      </a:solidFill>
-                      <a:prstDash val="solid"/>
-                      <a:round/>
-                      <a:headEnd type="none" w="med" len="med"/>
-                      <a:tailEnd type="none" w="med" len="med"/>
-                    </a:lnT>
-                    <a:lnB w="12700" cap="flat" cmpd="sng" algn="ctr">
-                      <a:solidFill>
-                        <a:schemeClr val="tx1"/>
-                      </a:solidFill>
-                      <a:prstDash val="solid"/>
-                      <a:round/>
-                      <a:headEnd type="none" w="med" len="med"/>
-                      <a:tailEnd type="none" w="med" len="med"/>
-                    </a:lnB>
-                    <a:solidFill>
-                      <a:schemeClr val="bg1"/>
-                    </a:solidFill>
-                  </a:tcPr>
-                </a:tc>
-                <a:tc>
-                  <a:txBody>
-                    <a:bodyPr/>
-                    <a:lstStyle/>
-                    <a:p>
-                      <a:endParaRPr lang="en-US">
-                        <a:solidFill>
-                          <a:srgbClr val="1BE1A8"/>
-                        </a:solidFill>
-                      </a:endParaRPr>
-                    </a:p>
-                  </a:txBody>
-                  <a:tcPr>
-                    <a:lnL w="12700" cap="flat" cmpd="sng" algn="ctr">
-                      <a:solidFill>
-                        <a:schemeClr val="tx1"/>
-                      </a:solidFill>
-                      <a:prstDash val="solid"/>
-                      <a:round/>
-                      <a:headEnd type="none" w="med" len="med"/>
-                      <a:tailEnd type="none" w="med" len="med"/>
-                    </a:lnL>
-                    <a:lnR w="12700" cap="flat" cmpd="sng" algn="ctr">
-                      <a:solidFill>
-                        <a:schemeClr val="tx1"/>
-                      </a:solidFill>
-                      <a:prstDash val="solid"/>
-                      <a:round/>
-                      <a:headEnd type="none" w="med" len="med"/>
-                      <a:tailEnd type="none" w="med" len="med"/>
-                    </a:lnR>
-                    <a:lnT w="12700" cap="flat" cmpd="sng" algn="ctr">
-                      <a:solidFill>
-                        <a:schemeClr val="tx1"/>
-                      </a:solidFill>
-                      <a:prstDash val="solid"/>
-                      <a:round/>
-                      <a:headEnd type="none" w="med" len="med"/>
-                      <a:tailEnd type="none" w="med" len="med"/>
-                    </a:lnT>
-                    <a:lnB w="12700" cap="flat" cmpd="sng" algn="ctr">
-                      <a:solidFill>
-                        <a:schemeClr val="tx1"/>
-                      </a:solidFill>
-                      <a:prstDash val="solid"/>
-                      <a:round/>
-                      <a:headEnd type="none" w="med" len="med"/>
-                      <a:tailEnd type="none" w="med" len="med"/>
-                    </a:lnB>
-                    <a:solidFill>
-                      <a:schemeClr val="bg1"/>
-                    </a:solidFill>
-                  </a:tcPr>
-                </a:tc>
-                <a:tc>
-                  <a:txBody>
-                    <a:bodyPr/>
-                    <a:lstStyle/>
-                    <a:p>
-                      <a:endParaRPr lang="en-US">
-                        <a:solidFill>
-                          <a:srgbClr val="1BE1A8"/>
-                        </a:solidFill>
-                      </a:endParaRPr>
-                    </a:p>
-                  </a:txBody>
-                  <a:tcPr>
-                    <a:lnL w="12700" cap="flat" cmpd="sng" algn="ctr">
-                      <a:solidFill>
-                        <a:schemeClr val="tx1"/>
-                      </a:solidFill>
-                      <a:prstDash val="solid"/>
-                      <a:round/>
-                      <a:headEnd type="none" w="med" len="med"/>
-                      <a:tailEnd type="none" w="med" len="med"/>
-                    </a:lnL>
-                    <a:lnR w="12700" cap="flat" cmpd="sng" algn="ctr">
-                      <a:solidFill>
-                        <a:schemeClr val="tx1"/>
-                      </a:solidFill>
-                      <a:prstDash val="solid"/>
-                      <a:round/>
-                      <a:headEnd type="none" w="med" len="med"/>
-                      <a:tailEnd type="none" w="med" len="med"/>
-                    </a:lnR>
-                    <a:lnT w="12700" cap="flat" cmpd="sng" algn="ctr">
-                      <a:solidFill>
-                        <a:schemeClr val="tx1"/>
-                      </a:solidFill>
-                      <a:prstDash val="solid"/>
-                      <a:round/>
-                      <a:headEnd type="none" w="med" len="med"/>
-                      <a:tailEnd type="none" w="med" len="med"/>
-                    </a:lnT>
-                    <a:lnB w="12700" cap="flat" cmpd="sng" algn="ctr">
-                      <a:solidFill>
-                        <a:schemeClr val="tx1"/>
-                      </a:solidFill>
-                      <a:prstDash val="solid"/>
-                      <a:round/>
-                      <a:headEnd type="none" w="med" len="med"/>
-                      <a:tailEnd type="none" w="med" len="med"/>
-                    </a:lnB>
-                    <a:solidFill>
-                      <a:schemeClr val="bg1"/>
-                    </a:solidFill>
-                  </a:tcPr>
-                </a:tc>
-                <a:tc>
-                  <a:txBody>
-                    <a:bodyPr/>
-                    <a:lstStyle/>
-                    <a:p>
-                      <a:endParaRPr lang="en-US" dirty="0">
-                        <a:solidFill>
-                          <a:srgbClr val="1BE1A8"/>
-                        </a:solidFill>
-                      </a:endParaRPr>
-                    </a:p>
-                  </a:txBody>
-                  <a:tcPr>
-                    <a:lnL w="12700" cap="flat" cmpd="sng" algn="ctr">
-                      <a:solidFill>
-                        <a:schemeClr val="tx1"/>
-                      </a:solidFill>
-                      <a:prstDash val="solid"/>
-                      <a:round/>
-                      <a:headEnd type="none" w="med" len="med"/>
-                      <a:tailEnd type="none" w="med" len="med"/>
-                    </a:lnL>
-                    <a:lnR w="12700" cap="flat" cmpd="sng" algn="ctr">
-                      <a:solidFill>
-                        <a:schemeClr val="tx1"/>
-                      </a:solidFill>
-                      <a:prstDash val="solid"/>
-                      <a:round/>
-                      <a:headEnd type="none" w="med" len="med"/>
-                      <a:tailEnd type="none" w="med" len="med"/>
-                    </a:lnR>
-                    <a:lnT w="12700" cap="flat" cmpd="sng" algn="ctr">
-                      <a:solidFill>
-                        <a:schemeClr val="tx1"/>
-                      </a:solidFill>
-                      <a:prstDash val="solid"/>
-                      <a:round/>
-                      <a:headEnd type="none" w="med" len="med"/>
-                      <a:tailEnd type="none" w="med" len="med"/>
-                    </a:lnT>
-                    <a:lnB w="12700" cap="flat" cmpd="sng" algn="ctr">
-                      <a:solidFill>
-                        <a:schemeClr val="tx1"/>
-                      </a:solidFill>
-                      <a:prstDash val="solid"/>
-                      <a:round/>
-                      <a:headEnd type="none" w="med" len="med"/>
-                      <a:tailEnd type="none" w="med" len="med"/>
-                    </a:lnB>
-                    <a:solidFill>
-                      <a:schemeClr val="bg1"/>
-                    </a:solidFill>
-                  </a:tcPr>
-                </a:tc>
-                <a:tc>
-                  <a:txBody>
-                    <a:bodyPr/>
-                    <a:lstStyle/>
-                    <a:p>
-                      <a:endParaRPr lang="en-US" dirty="0">
-                        <a:solidFill>
-                          <a:srgbClr val="1BE1A8"/>
-                        </a:solidFill>
-                      </a:endParaRPr>
-                    </a:p>
-                  </a:txBody>
-                  <a:tcPr>
-                    <a:lnL w="12700" cap="flat" cmpd="sng" algn="ctr">
-                      <a:solidFill>
-                        <a:schemeClr val="tx1"/>
-                      </a:solidFill>
-                      <a:prstDash val="solid"/>
-                      <a:round/>
-                      <a:headEnd type="none" w="med" len="med"/>
-                      <a:tailEnd type="none" w="med" len="med"/>
-                    </a:lnL>
-                    <a:lnR w="12700" cap="flat" cmpd="sng" algn="ctr">
-                      <a:solidFill>
-                        <a:schemeClr val="tx1"/>
-                      </a:solidFill>
-                      <a:prstDash val="solid"/>
-                      <a:round/>
-                      <a:headEnd type="none" w="med" len="med"/>
-                      <a:tailEnd type="none" w="med" len="med"/>
-                    </a:lnR>
-                    <a:lnT w="12700" cap="flat" cmpd="sng" algn="ctr">
-                      <a:solidFill>
-                        <a:schemeClr val="tx1"/>
-                      </a:solidFill>
-                      <a:prstDash val="solid"/>
-                      <a:round/>
-                      <a:headEnd type="none" w="med" len="med"/>
-                      <a:tailEnd type="none" w="med" len="med"/>
-                    </a:lnT>
-                    <a:lnB w="12700" cap="flat" cmpd="sng" algn="ctr">
-                      <a:solidFill>
-                        <a:schemeClr val="tx1"/>
-                      </a:solidFill>
-                      <a:prstDash val="solid"/>
-                      <a:round/>
-                      <a:headEnd type="none" w="med" len="med"/>
-                      <a:tailEnd type="none" w="med" len="med"/>
-                    </a:lnB>
-                    <a:solidFill>
-                      <a:schemeClr val="bg1"/>
-                    </a:solidFill>
-                  </a:tcPr>
-                </a:tc>
-                <a:tc>
-                  <a:txBody>
-                    <a:bodyPr/>
-                    <a:lstStyle/>
-                    <a:p>
-                      <a:endParaRPr lang="en-US" dirty="0">
-                        <a:solidFill>
-                          <a:srgbClr val="1BE1A8"/>
-                        </a:solidFill>
-                      </a:endParaRPr>
-                    </a:p>
-                  </a:txBody>
-                  <a:tcPr>
-                    <a:lnL w="12700" cap="flat" cmpd="sng" algn="ctr">
-                      <a:solidFill>
-                        <a:schemeClr val="tx1"/>
-                      </a:solidFill>
-                      <a:prstDash val="solid"/>
-                      <a:round/>
-                      <a:headEnd type="none" w="med" len="med"/>
-                      <a:tailEnd type="none" w="med" len="med"/>
-                    </a:lnL>
-                    <a:lnR w="12700" cap="flat" cmpd="sng" algn="ctr">
-                      <a:solidFill>
-                        <a:schemeClr val="tx1"/>
-                      </a:solidFill>
-                      <a:prstDash val="solid"/>
-                      <a:round/>
-                      <a:headEnd type="none" w="med" len="med"/>
-                      <a:tailEnd type="none" w="med" len="med"/>
-                    </a:lnR>
-                    <a:lnT w="12700" cap="flat" cmpd="sng" algn="ctr">
-                      <a:solidFill>
-                        <a:schemeClr val="tx1"/>
-                      </a:solidFill>
-                      <a:prstDash val="solid"/>
-                      <a:round/>
-                      <a:headEnd type="none" w="med" len="med"/>
-                      <a:tailEnd type="none" w="med" len="med"/>
-                    </a:lnT>
-                    <a:lnB w="12700" cap="flat" cmpd="sng" algn="ctr">
-                      <a:solidFill>
-                        <a:schemeClr val="tx1"/>
-                      </a:solidFill>
-                      <a:prstDash val="solid"/>
-                      <a:round/>
-                      <a:headEnd type="none" w="med" len="med"/>
-                      <a:tailEnd type="none" w="med" len="med"/>
-                    </a:lnB>
-                    <a:solidFill>
-                      <a:schemeClr val="bg1"/>
-                    </a:solidFill>
-                  </a:tcPr>
-                </a:tc>
-                <a:extLst>
-                  <a:ext uri="{0D108BD9-81ED-4DB2-BD59-A6C34878D82A}">
-                    <a16:rowId xmlns:a16="http://schemas.microsoft.com/office/drawing/2014/main" val="4005573868"/>
-                  </a:ext>
-                </a:extLst>
-              </a:tr>
-              <a:tr h="614865">
-                <a:tc>
-                  <a:txBody>
-                    <a:bodyPr/>
-                    <a:lstStyle/>
-                    <a:p>
-                      <a:pPr algn="ctr"/>
-                      <a:endParaRPr lang="en-US" dirty="0">
-                        <a:solidFill>
-                          <a:srgbClr val="1BE1A8"/>
-                        </a:solidFill>
-                      </a:endParaRPr>
-                    </a:p>
-                  </a:txBody>
-                  <a:tcPr anchor="ctr">
-                    <a:lnL w="12700" cap="flat" cmpd="sng" algn="ctr">
-                      <a:solidFill>
-                        <a:schemeClr val="tx1"/>
-                      </a:solidFill>
-                      <a:prstDash val="solid"/>
-                      <a:round/>
-                      <a:headEnd type="none" w="med" len="med"/>
-                      <a:tailEnd type="none" w="med" len="med"/>
-                    </a:lnL>
-                    <a:lnR w="12700" cap="flat" cmpd="sng" algn="ctr">
-                      <a:solidFill>
-                        <a:schemeClr val="tx1"/>
-                      </a:solidFill>
-                      <a:prstDash val="solid"/>
-                      <a:round/>
-                      <a:headEnd type="none" w="med" len="med"/>
-                      <a:tailEnd type="none" w="med" len="med"/>
-                    </a:lnR>
-                    <a:lnT w="12700" cap="flat" cmpd="sng" algn="ctr">
-                      <a:solidFill>
-                        <a:schemeClr val="tx1"/>
-                      </a:solidFill>
-                      <a:prstDash val="solid"/>
-                      <a:round/>
-                      <a:headEnd type="none" w="med" len="med"/>
-                      <a:tailEnd type="none" w="med" len="med"/>
-                    </a:lnT>
-                    <a:lnB w="12700" cap="flat" cmpd="sng" algn="ctr">
-                      <a:solidFill>
-                        <a:schemeClr val="tx1"/>
-                      </a:solidFill>
-                      <a:prstDash val="solid"/>
-                      <a:round/>
-                      <a:headEnd type="none" w="med" len="med"/>
-                      <a:tailEnd type="none" w="med" len="med"/>
-                    </a:lnB>
-                    <a:solidFill>
-                      <a:schemeClr val="bg1"/>
-                    </a:solidFill>
-                  </a:tcPr>
-                </a:tc>
-                <a:tc>
-                  <a:txBody>
-                    <a:bodyPr/>
-                    <a:lstStyle/>
-                    <a:p>
-                      <a:endParaRPr lang="en-US">
-                        <a:solidFill>
-                          <a:srgbClr val="1BE1A8"/>
-                        </a:solidFill>
-                      </a:endParaRPr>
-                    </a:p>
-                  </a:txBody>
-                  <a:tcPr>
-                    <a:lnL w="12700" cap="flat" cmpd="sng" algn="ctr">
-                      <a:solidFill>
-                        <a:schemeClr val="tx1"/>
-                      </a:solidFill>
-                      <a:prstDash val="solid"/>
-                      <a:round/>
-                      <a:headEnd type="none" w="med" len="med"/>
-                      <a:tailEnd type="none" w="med" len="med"/>
-                    </a:lnL>
-                    <a:lnR w="12700" cap="flat" cmpd="sng" algn="ctr">
-                      <a:solidFill>
-                        <a:schemeClr val="tx1"/>
-                      </a:solidFill>
-                      <a:prstDash val="solid"/>
-                      <a:round/>
-                      <a:headEnd type="none" w="med" len="med"/>
-                      <a:tailEnd type="none" w="med" len="med"/>
-                    </a:lnR>
-                    <a:lnT w="12700" cap="flat" cmpd="sng" algn="ctr">
-                      <a:solidFill>
-                        <a:schemeClr val="tx1"/>
-                      </a:solidFill>
-                      <a:prstDash val="solid"/>
-                      <a:round/>
-                      <a:headEnd type="none" w="med" len="med"/>
-                      <a:tailEnd type="none" w="med" len="med"/>
-                    </a:lnT>
-                    <a:lnB w="12700" cap="flat" cmpd="sng" algn="ctr">
-                      <a:solidFill>
-                        <a:schemeClr val="tx1"/>
-                      </a:solidFill>
-                      <a:prstDash val="solid"/>
-                      <a:round/>
-                      <a:headEnd type="none" w="med" len="med"/>
-                      <a:tailEnd type="none" w="med" len="med"/>
-                    </a:lnB>
-                    <a:solidFill>
-                      <a:schemeClr val="bg1"/>
-                    </a:solidFill>
-                  </a:tcPr>
-                </a:tc>
-                <a:tc>
-                  <a:txBody>
-                    <a:bodyPr/>
-                    <a:lstStyle/>
-                    <a:p>
-                      <a:endParaRPr lang="en-US">
-                        <a:solidFill>
-                          <a:srgbClr val="1BE1A8"/>
-                        </a:solidFill>
-                      </a:endParaRPr>
-                    </a:p>
-                  </a:txBody>
-                  <a:tcPr>
-                    <a:lnL w="12700" cap="flat" cmpd="sng" algn="ctr">
-                      <a:solidFill>
-                        <a:schemeClr val="tx1"/>
-                      </a:solidFill>
-                      <a:prstDash val="solid"/>
-                      <a:round/>
-                      <a:headEnd type="none" w="med" len="med"/>
-                      <a:tailEnd type="none" w="med" len="med"/>
-                    </a:lnL>
-                    <a:lnR w="12700" cap="flat" cmpd="sng" algn="ctr">
-                      <a:solidFill>
-                        <a:schemeClr val="tx1"/>
-                      </a:solidFill>
-                      <a:prstDash val="solid"/>
-                      <a:round/>
-                      <a:headEnd type="none" w="med" len="med"/>
-                      <a:tailEnd type="none" w="med" len="med"/>
-                    </a:lnR>
-                    <a:lnT w="12700" cap="flat" cmpd="sng" algn="ctr">
-                      <a:solidFill>
-                        <a:schemeClr val="tx1"/>
-                      </a:solidFill>
-                      <a:prstDash val="solid"/>
-                      <a:round/>
-                      <a:headEnd type="none" w="med" len="med"/>
-                      <a:tailEnd type="none" w="med" len="med"/>
-                    </a:lnT>
-                    <a:lnB w="12700" cap="flat" cmpd="sng" algn="ctr">
-                      <a:solidFill>
-                        <a:schemeClr val="tx1"/>
-                      </a:solidFill>
-                      <a:prstDash val="solid"/>
-                      <a:round/>
-                      <a:headEnd type="none" w="med" len="med"/>
-                      <a:tailEnd type="none" w="med" len="med"/>
-                    </a:lnB>
-                    <a:solidFill>
-                      <a:schemeClr val="bg1"/>
-                    </a:solidFill>
-                  </a:tcPr>
-                </a:tc>
-                <a:tc>
-                  <a:txBody>
-                    <a:bodyPr/>
-                    <a:lstStyle/>
-                    <a:p>
-                      <a:endParaRPr lang="en-US">
-                        <a:solidFill>
-                          <a:srgbClr val="1BE1A8"/>
-                        </a:solidFill>
-                      </a:endParaRPr>
-                    </a:p>
-                  </a:txBody>
-                  <a:tcPr>
-                    <a:lnL w="12700" cap="flat" cmpd="sng" algn="ctr">
-                      <a:solidFill>
-                        <a:schemeClr val="tx1"/>
-                      </a:solidFill>
-                      <a:prstDash val="solid"/>
-                      <a:round/>
-                      <a:headEnd type="none" w="med" len="med"/>
-                      <a:tailEnd type="none" w="med" len="med"/>
-                    </a:lnL>
-                    <a:lnR w="12700" cap="flat" cmpd="sng" algn="ctr">
-                      <a:solidFill>
-                        <a:schemeClr val="tx1"/>
-                      </a:solidFill>
-                      <a:prstDash val="solid"/>
-                      <a:round/>
-                      <a:headEnd type="none" w="med" len="med"/>
-                      <a:tailEnd type="none" w="med" len="med"/>
-                    </a:lnR>
-                    <a:lnT w="12700" cap="flat" cmpd="sng" algn="ctr">
-                      <a:solidFill>
-                        <a:schemeClr val="tx1"/>
-                      </a:solidFill>
-                      <a:prstDash val="solid"/>
-                      <a:round/>
-                      <a:headEnd type="none" w="med" len="med"/>
-                      <a:tailEnd type="none" w="med" len="med"/>
-                    </a:lnT>
-                    <a:lnB w="12700" cap="flat" cmpd="sng" algn="ctr">
-                      <a:solidFill>
-                        <a:schemeClr val="tx1"/>
-                      </a:solidFill>
-                      <a:prstDash val="solid"/>
-                      <a:round/>
-                      <a:headEnd type="none" w="med" len="med"/>
-                      <a:tailEnd type="none" w="med" len="med"/>
-                    </a:lnB>
-                    <a:solidFill>
-                      <a:schemeClr val="bg1"/>
-                    </a:solidFill>
-                  </a:tcPr>
-                </a:tc>
-                <a:tc>
-                  <a:txBody>
-                    <a:bodyPr/>
-                    <a:lstStyle/>
-                    <a:p>
-                      <a:endParaRPr lang="en-US" dirty="0">
-                        <a:solidFill>
-                          <a:srgbClr val="1BE1A8"/>
-                        </a:solidFill>
-                      </a:endParaRPr>
-                    </a:p>
-                  </a:txBody>
-                  <a:tcPr>
-                    <a:lnL w="12700" cap="flat" cmpd="sng" algn="ctr">
-                      <a:solidFill>
-                        <a:schemeClr val="tx1"/>
-                      </a:solidFill>
-                      <a:prstDash val="solid"/>
-                      <a:round/>
-                      <a:headEnd type="none" w="med" len="med"/>
-                      <a:tailEnd type="none" w="med" len="med"/>
-                    </a:lnL>
-                    <a:lnR w="12700" cap="flat" cmpd="sng" algn="ctr">
-                      <a:solidFill>
-                        <a:schemeClr val="tx1"/>
-                      </a:solidFill>
-                      <a:prstDash val="solid"/>
-                      <a:round/>
-                      <a:headEnd type="none" w="med" len="med"/>
-                      <a:tailEnd type="none" w="med" len="med"/>
-                    </a:lnR>
-                    <a:lnT w="12700" cap="flat" cmpd="sng" algn="ctr">
-                      <a:solidFill>
-                        <a:schemeClr val="tx1"/>
-                      </a:solidFill>
-                      <a:prstDash val="solid"/>
-                      <a:round/>
-                      <a:headEnd type="none" w="med" len="med"/>
-                      <a:tailEnd type="none" w="med" len="med"/>
-                    </a:lnT>
-                    <a:lnB w="12700" cap="flat" cmpd="sng" algn="ctr">
-                      <a:solidFill>
-                        <a:schemeClr val="tx1"/>
-                      </a:solidFill>
-                      <a:prstDash val="solid"/>
-                      <a:round/>
-                      <a:headEnd type="none" w="med" len="med"/>
-                      <a:tailEnd type="none" w="med" len="med"/>
-                    </a:lnB>
-                    <a:solidFill>
-                      <a:schemeClr val="bg1"/>
-                    </a:solidFill>
-                  </a:tcPr>
-                </a:tc>
-                <a:tc>
-                  <a:txBody>
-                    <a:bodyPr/>
-                    <a:lstStyle/>
-                    <a:p>
-                      <a:endParaRPr lang="en-US" dirty="0">
-                        <a:solidFill>
-                          <a:srgbClr val="1BE1A8"/>
-                        </a:solidFill>
-                      </a:endParaRPr>
-                    </a:p>
-                  </a:txBody>
-                  <a:tcPr>
-                    <a:lnL w="12700" cap="flat" cmpd="sng" algn="ctr">
-                      <a:solidFill>
-                        <a:schemeClr val="tx1"/>
-                      </a:solidFill>
-                      <a:prstDash val="solid"/>
-                      <a:round/>
-                      <a:headEnd type="none" w="med" len="med"/>
-                      <a:tailEnd type="none" w="med" len="med"/>
-                    </a:lnL>
-                    <a:lnR w="12700" cap="flat" cmpd="sng" algn="ctr">
-                      <a:solidFill>
-                        <a:schemeClr val="tx1"/>
-                      </a:solidFill>
-                      <a:prstDash val="solid"/>
-                      <a:round/>
-                      <a:headEnd type="none" w="med" len="med"/>
-                      <a:tailEnd type="none" w="med" len="med"/>
-                    </a:lnR>
-                    <a:lnT w="12700" cap="flat" cmpd="sng" algn="ctr">
-                      <a:solidFill>
-                        <a:schemeClr val="tx1"/>
-                      </a:solidFill>
-                      <a:prstDash val="solid"/>
-                      <a:round/>
-                      <a:headEnd type="none" w="med" len="med"/>
-                      <a:tailEnd type="none" w="med" len="med"/>
-                    </a:lnT>
-                    <a:lnB w="12700" cap="flat" cmpd="sng" algn="ctr">
-                      <a:solidFill>
-                        <a:schemeClr val="tx1"/>
-                      </a:solidFill>
-                      <a:prstDash val="solid"/>
-                      <a:round/>
-                      <a:headEnd type="none" w="med" len="med"/>
-                      <a:tailEnd type="none" w="med" len="med"/>
-                    </a:lnB>
-                    <a:solidFill>
-                      <a:schemeClr val="bg1"/>
-                    </a:solidFill>
-                  </a:tcPr>
-                </a:tc>
-                <a:extLst>
-                  <a:ext uri="{0D108BD9-81ED-4DB2-BD59-A6C34878D82A}">
-                    <a16:rowId xmlns:a16="http://schemas.microsoft.com/office/drawing/2014/main" val="3814809196"/>
-                  </a:ext>
-                </a:extLst>
-              </a:tr>
-              <a:tr h="614865">
-                <a:tc>
-                  <a:txBody>
-                    <a:bodyPr/>
-                    <a:lstStyle/>
-                    <a:p>
-                      <a:pPr algn="ctr"/>
-                      <a:endParaRPr lang="en-US" dirty="0">
-                        <a:solidFill>
-                          <a:srgbClr val="1BE1A8"/>
-                        </a:solidFill>
-                      </a:endParaRPr>
-                    </a:p>
-                  </a:txBody>
-                  <a:tcPr anchor="ctr">
-                    <a:lnL w="12700" cap="flat" cmpd="sng" algn="ctr">
-                      <a:solidFill>
-                        <a:schemeClr val="tx1"/>
-                      </a:solidFill>
-                      <a:prstDash val="solid"/>
-                      <a:round/>
-                      <a:headEnd type="none" w="med" len="med"/>
-                      <a:tailEnd type="none" w="med" len="med"/>
-                    </a:lnL>
-                    <a:lnR w="12700" cap="flat" cmpd="sng" algn="ctr">
-                      <a:solidFill>
-                        <a:schemeClr val="tx1"/>
-                      </a:solidFill>
-                      <a:prstDash val="solid"/>
-                      <a:round/>
-                      <a:headEnd type="none" w="med" len="med"/>
-                      <a:tailEnd type="none" w="med" len="med"/>
-                    </a:lnR>
-                    <a:lnT w="12700" cap="flat" cmpd="sng" algn="ctr">
-                      <a:solidFill>
-                        <a:schemeClr val="tx1"/>
-                      </a:solidFill>
-                      <a:prstDash val="solid"/>
-                      <a:round/>
-                      <a:headEnd type="none" w="med" len="med"/>
-                      <a:tailEnd type="none" w="med" len="med"/>
-                    </a:lnT>
-                    <a:lnB w="12700" cap="flat" cmpd="sng" algn="ctr">
-                      <a:solidFill>
-                        <a:schemeClr val="tx1"/>
-                      </a:solidFill>
-                      <a:prstDash val="solid"/>
-                      <a:round/>
-                      <a:headEnd type="none" w="med" len="med"/>
-                      <a:tailEnd type="none" w="med" len="med"/>
-                    </a:lnB>
-                    <a:solidFill>
-                      <a:schemeClr val="bg1"/>
-                    </a:solidFill>
-                  </a:tcPr>
-                </a:tc>
-                <a:tc>
-                  <a:txBody>
-                    <a:bodyPr/>
-                    <a:lstStyle/>
-                    <a:p>
-                      <a:endParaRPr lang="en-US" dirty="0">
-                        <a:solidFill>
-                          <a:srgbClr val="1BE1A8"/>
-                        </a:solidFill>
-                      </a:endParaRPr>
-                    </a:p>
-                  </a:txBody>
-                  <a:tcPr>
-                    <a:lnL w="12700" cap="flat" cmpd="sng" algn="ctr">
-                      <a:solidFill>
-                        <a:schemeClr val="tx1"/>
-                      </a:solidFill>
-                      <a:prstDash val="solid"/>
-                      <a:round/>
-                      <a:headEnd type="none" w="med" len="med"/>
-                      <a:tailEnd type="none" w="med" len="med"/>
-                    </a:lnL>
-                    <a:lnR w="12700" cap="flat" cmpd="sng" algn="ctr">
-                      <a:solidFill>
-                        <a:schemeClr val="tx1"/>
-                      </a:solidFill>
-                      <a:prstDash val="solid"/>
-                      <a:round/>
-                      <a:headEnd type="none" w="med" len="med"/>
-                      <a:tailEnd type="none" w="med" len="med"/>
-                    </a:lnR>
-                    <a:lnT w="12700" cap="flat" cmpd="sng" algn="ctr">
-                      <a:solidFill>
-                        <a:schemeClr val="tx1"/>
-                      </a:solidFill>
-                      <a:prstDash val="solid"/>
-                      <a:round/>
-                      <a:headEnd type="none" w="med" len="med"/>
-                      <a:tailEnd type="none" w="med" len="med"/>
-                    </a:lnT>
-                    <a:lnB w="12700" cap="flat" cmpd="sng" algn="ctr">
-                      <a:solidFill>
-                        <a:schemeClr val="tx1"/>
-                      </a:solidFill>
-                      <a:prstDash val="solid"/>
-                      <a:round/>
-                      <a:headEnd type="none" w="med" len="med"/>
-                      <a:tailEnd type="none" w="med" len="med"/>
-                    </a:lnB>
-                    <a:solidFill>
-                      <a:schemeClr val="bg1"/>
-                    </a:solidFill>
-                  </a:tcPr>
-                </a:tc>
-                <a:tc>
-                  <a:txBody>
-                    <a:bodyPr/>
-                    <a:lstStyle/>
-                    <a:p>
-                      <a:endParaRPr lang="en-US">
-                        <a:solidFill>
-                          <a:srgbClr val="1BE1A8"/>
-                        </a:solidFill>
-                      </a:endParaRPr>
-                    </a:p>
-                  </a:txBody>
-                  <a:tcPr>
-                    <a:lnL w="12700" cap="flat" cmpd="sng" algn="ctr">
-                      <a:solidFill>
-                        <a:schemeClr val="tx1"/>
-                      </a:solidFill>
-                      <a:prstDash val="solid"/>
-                      <a:round/>
-                      <a:headEnd type="none" w="med" len="med"/>
-                      <a:tailEnd type="none" w="med" len="med"/>
-                    </a:lnL>
-                    <a:lnR w="12700" cap="flat" cmpd="sng" algn="ctr">
-                      <a:solidFill>
-                        <a:schemeClr val="tx1"/>
-                      </a:solidFill>
-                      <a:prstDash val="solid"/>
-                      <a:round/>
-                      <a:headEnd type="none" w="med" len="med"/>
-                      <a:tailEnd type="none" w="med" len="med"/>
-                    </a:lnR>
-                    <a:lnT w="12700" cap="flat" cmpd="sng" algn="ctr">
-                      <a:solidFill>
-                        <a:schemeClr val="tx1"/>
-                      </a:solidFill>
-                      <a:prstDash val="solid"/>
-                      <a:round/>
-                      <a:headEnd type="none" w="med" len="med"/>
-                      <a:tailEnd type="none" w="med" len="med"/>
-                    </a:lnT>
-                    <a:lnB w="12700" cap="flat" cmpd="sng" algn="ctr">
-                      <a:solidFill>
-                        <a:schemeClr val="tx1"/>
-                      </a:solidFill>
-                      <a:prstDash val="solid"/>
-                      <a:round/>
-                      <a:headEnd type="none" w="med" len="med"/>
-                      <a:tailEnd type="none" w="med" len="med"/>
-                    </a:lnB>
-                    <a:solidFill>
-                      <a:schemeClr val="bg1"/>
-                    </a:solidFill>
-                  </a:tcPr>
-                </a:tc>
-                <a:tc>
-                  <a:txBody>
-                    <a:bodyPr/>
-                    <a:lstStyle/>
-                    <a:p>
-                      <a:endParaRPr lang="en-US">
-                        <a:solidFill>
-                          <a:srgbClr val="1BE1A8"/>
-                        </a:solidFill>
-                      </a:endParaRPr>
-                    </a:p>
-                  </a:txBody>
-                  <a:tcPr>
-                    <a:lnL w="12700" cap="flat" cmpd="sng" algn="ctr">
-                      <a:solidFill>
-                        <a:schemeClr val="tx1"/>
-                      </a:solidFill>
-                      <a:prstDash val="solid"/>
-                      <a:round/>
-                      <a:headEnd type="none" w="med" len="med"/>
-                      <a:tailEnd type="none" w="med" len="med"/>
-                    </a:lnL>
-                    <a:lnR w="12700" cap="flat" cmpd="sng" algn="ctr">
-                      <a:solidFill>
-                        <a:schemeClr val="tx1"/>
-                      </a:solidFill>
-                      <a:prstDash val="solid"/>
-                      <a:round/>
-                      <a:headEnd type="none" w="med" len="med"/>
-                      <a:tailEnd type="none" w="med" len="med"/>
-                    </a:lnR>
-                    <a:lnT w="12700" cap="flat" cmpd="sng" algn="ctr">
-                      <a:solidFill>
-                        <a:schemeClr val="tx1"/>
-                      </a:solidFill>
-                      <a:prstDash val="solid"/>
-                      <a:round/>
-                      <a:headEnd type="none" w="med" len="med"/>
-                      <a:tailEnd type="none" w="med" len="med"/>
-                    </a:lnT>
-                    <a:lnB w="12700" cap="flat" cmpd="sng" algn="ctr">
-                      <a:solidFill>
-                        <a:schemeClr val="tx1"/>
-                      </a:solidFill>
-                      <a:prstDash val="solid"/>
-                      <a:round/>
-                      <a:headEnd type="none" w="med" len="med"/>
-                      <a:tailEnd type="none" w="med" len="med"/>
-                    </a:lnB>
-                    <a:solidFill>
-                      <a:schemeClr val="bg1"/>
-                    </a:solidFill>
-                  </a:tcPr>
-                </a:tc>
-                <a:tc>
-                  <a:txBody>
-                    <a:bodyPr/>
-                    <a:lstStyle/>
-                    <a:p>
-                      <a:endParaRPr lang="en-US">
-                        <a:solidFill>
-                          <a:srgbClr val="1BE1A8"/>
-                        </a:solidFill>
-                      </a:endParaRPr>
-                    </a:p>
-                  </a:txBody>
-                  <a:tcPr>
-                    <a:lnL w="12700" cap="flat" cmpd="sng" algn="ctr">
-                      <a:solidFill>
-                        <a:schemeClr val="tx1"/>
-                      </a:solidFill>
-                      <a:prstDash val="solid"/>
-                      <a:round/>
-                      <a:headEnd type="none" w="med" len="med"/>
-                      <a:tailEnd type="none" w="med" len="med"/>
-                    </a:lnL>
-                    <a:lnR w="12700" cap="flat" cmpd="sng" algn="ctr">
-                      <a:solidFill>
-                        <a:schemeClr val="tx1"/>
-                      </a:solidFill>
-                      <a:prstDash val="solid"/>
-                      <a:round/>
-                      <a:headEnd type="none" w="med" len="med"/>
-                      <a:tailEnd type="none" w="med" len="med"/>
-                    </a:lnR>
-                    <a:lnT w="12700" cap="flat" cmpd="sng" algn="ctr">
-                      <a:solidFill>
-                        <a:schemeClr val="tx1"/>
-                      </a:solidFill>
-                      <a:prstDash val="solid"/>
-                      <a:round/>
-                      <a:headEnd type="none" w="med" len="med"/>
-                      <a:tailEnd type="none" w="med" len="med"/>
-                    </a:lnT>
-                    <a:lnB w="12700" cap="flat" cmpd="sng" algn="ctr">
-                      <a:solidFill>
-                        <a:schemeClr val="tx1"/>
-                      </a:solidFill>
-                      <a:prstDash val="solid"/>
-                      <a:round/>
-                      <a:headEnd type="none" w="med" len="med"/>
-                      <a:tailEnd type="none" w="med" len="med"/>
-                    </a:lnB>
-                    <a:solidFill>
-                      <a:schemeClr val="bg1"/>
-                    </a:solidFill>
-                  </a:tcPr>
-                </a:tc>
-                <a:tc>
-                  <a:txBody>
-                    <a:bodyPr/>
-                    <a:lstStyle/>
-                    <a:p>
-                      <a:endParaRPr lang="en-US" dirty="0">
-                        <a:solidFill>
-                          <a:srgbClr val="1BE1A8"/>
-                        </a:solidFill>
-                      </a:endParaRPr>
-                    </a:p>
-                  </a:txBody>
-                  <a:tcPr>
-                    <a:lnL w="12700" cap="flat" cmpd="sng" algn="ctr">
-                      <a:solidFill>
-                        <a:schemeClr val="tx1"/>
-                      </a:solidFill>
-                      <a:prstDash val="solid"/>
-                      <a:round/>
-                      <a:headEnd type="none" w="med" len="med"/>
-                      <a:tailEnd type="none" w="med" len="med"/>
-                    </a:lnL>
-                    <a:lnR w="12700" cap="flat" cmpd="sng" algn="ctr">
-                      <a:solidFill>
-                        <a:schemeClr val="tx1"/>
-                      </a:solidFill>
-                      <a:prstDash val="solid"/>
-                      <a:round/>
-                      <a:headEnd type="none" w="med" len="med"/>
-                      <a:tailEnd type="none" w="med" len="med"/>
-                    </a:lnR>
-                    <a:lnT w="12700" cap="flat" cmpd="sng" algn="ctr">
-                      <a:solidFill>
-                        <a:schemeClr val="tx1"/>
-                      </a:solidFill>
-                      <a:prstDash val="solid"/>
-                      <a:round/>
-                      <a:headEnd type="none" w="med" len="med"/>
-                      <a:tailEnd type="none" w="med" len="med"/>
-                    </a:lnT>
-                    <a:lnB w="12700" cap="flat" cmpd="sng" algn="ctr">
-                      <a:solidFill>
-                        <a:schemeClr val="tx1"/>
-                      </a:solidFill>
-                      <a:prstDash val="solid"/>
-                      <a:round/>
-                      <a:headEnd type="none" w="med" len="med"/>
-                      <a:tailEnd type="none" w="med" len="med"/>
-                    </a:lnB>
-                    <a:solidFill>
-                      <a:schemeClr val="bg1"/>
-                    </a:solidFill>
-                  </a:tcPr>
-                </a:tc>
-                <a:extLst>
-                  <a:ext uri="{0D108BD9-81ED-4DB2-BD59-A6C34878D82A}">
-                    <a16:rowId xmlns:a16="http://schemas.microsoft.com/office/drawing/2014/main" val="408781731"/>
-                  </a:ext>
-                </a:extLst>
-              </a:tr>
             </a:tbl>
           </a:graphicData>
         </a:graphic>
       </p:graphicFrame>
+      <p:sp>
+        <p:nvSpPr>
+          <p:cNvPr id="3" name="Textfeld 2">
+            <a:extLst>
+              <a:ext uri="{FF2B5EF4-FFF2-40B4-BE49-F238E27FC236}">
+                <a16:creationId xmlns:a16="http://schemas.microsoft.com/office/drawing/2014/main" id="{47362AA2-32BE-44E2-8A0C-D63C44EF0A12}"/>
+              </a:ext>
+            </a:extLst>
+          </p:cNvPr>
+          <p:cNvSpPr txBox="1"/>
+          <p:nvPr/>
+        </p:nvSpPr>
+        <p:spPr>
+          <a:xfrm>
+            <a:off x="838200" y="4871868"/>
+            <a:ext cx="10514012" cy="1200329"/>
+          </a:xfrm>
+          <a:prstGeom prst="rect">
+            <a:avLst/>
+          </a:prstGeom>
+          <a:noFill/>
+        </p:spPr>
+        <p:txBody>
+          <a:bodyPr wrap="square" rtlCol="0">
+            <a:spAutoFit/>
+          </a:bodyPr>
+          <a:lstStyle/>
+          <a:p>
+            <a:r>
+              <a:rPr lang="en-GB" sz="2400" u="sng" dirty="0"/>
+              <a:t>Mentionable Websites:</a:t>
+            </a:r>
+            <a:r>
+              <a:rPr lang="en-GB" sz="2400" dirty="0"/>
+              <a:t> CodeArmy, FounderDating, LeanStartupMachine, LetsLunch, Meetup, StartupWeekend, YouNoodle, Startup Sucht!!!, FoundersNation </a:t>
+            </a:r>
+          </a:p>
+        </p:txBody>
+      </p:sp>
     </p:spTree>
     <p:extLst>
       <p:ext uri="{BB962C8B-B14F-4D97-AF65-F5344CB8AC3E}">
@@ -23685,8 +22892,8 @@
         </p:nvSpPr>
         <p:spPr>
           <a:xfrm>
-            <a:off x="839788" y="216572"/>
-            <a:ext cx="5496910" cy="523220"/>
+            <a:off x="839787" y="216572"/>
+            <a:ext cx="6641667" cy="523220"/>
           </a:xfrm>
           <a:prstGeom prst="rect">
             <a:avLst/>
@@ -23705,77 +22912,24 @@
                   <a:srgbClr val="1BE1A8"/>
                 </a:solidFill>
               </a:rPr>
-              <a:t>Status Quo</a:t>
-            </a:r>
-          </a:p>
-        </p:txBody>
-      </p:sp>
-      <p:sp>
-        <p:nvSpPr>
-          <p:cNvPr id="5" name="Textfeld 4">
-            <a:extLst>
-              <a:ext uri="{FF2B5EF4-FFF2-40B4-BE49-F238E27FC236}">
-                <a16:creationId xmlns:a16="http://schemas.microsoft.com/office/drawing/2014/main" id="{DF22779B-D746-46BC-A78F-B189E01D16D5}"/>
-              </a:ext>
-            </a:extLst>
-          </p:cNvPr>
-          <p:cNvSpPr txBox="1"/>
-          <p:nvPr/>
-        </p:nvSpPr>
-        <p:spPr>
-          <a:xfrm>
-            <a:off x="4002799" y="849040"/>
-            <a:ext cx="4186402" cy="461665"/>
-          </a:xfrm>
-          <a:prstGeom prst="rect">
-            <a:avLst/>
-          </a:prstGeom>
-          <a:noFill/>
-        </p:spPr>
-        <p:txBody>
-          <a:bodyPr wrap="square" rtlCol="0">
-            <a:spAutoFit/>
-          </a:bodyPr>
-          <a:lstStyle/>
-          <a:p>
-            <a:pPr algn="ctr"/>
-            <a:r>
-              <a:rPr lang="de-DE" sz="2400" b="1" u="sng" dirty="0">
+              <a:t>Status Quo : Fully </a:t>
+            </a:r>
+            <a:r>
+              <a:rPr lang="de-DE" sz="2800" b="1" u="sng" dirty="0" err="1">
                 <a:solidFill>
-                  <a:schemeClr val="tx1"/>
+                  <a:srgbClr val="1BE1A8"/>
                 </a:solidFill>
               </a:rPr>
-              <a:t>Fully </a:t>
-            </a:r>
-            <a:r>
-              <a:rPr lang="de-DE" sz="2400" b="1" u="sng" dirty="0" err="1">
+              <a:t>Functional</a:t>
+            </a:r>
+            <a:r>
+              <a:rPr lang="de-DE" sz="2800" b="1" u="sng" dirty="0">
                 <a:solidFill>
-                  <a:schemeClr val="tx1"/>
+                  <a:srgbClr val="1BE1A8"/>
                 </a:solidFill>
               </a:rPr>
-              <a:t>functional</a:t>
-            </a:r>
-            <a:r>
-              <a:rPr lang="de-DE" sz="2400" b="1" u="sng" dirty="0">
-                <a:solidFill>
-                  <a:schemeClr val="tx1"/>
-                </a:solidFill>
-              </a:rPr>
-              <a:t> </a:t>
-            </a:r>
-            <a:r>
-              <a:rPr lang="de-DE" sz="2400" b="1" u="sng" dirty="0" err="1">
-                <a:solidFill>
-                  <a:schemeClr val="tx1"/>
-                </a:solidFill>
-              </a:rPr>
-              <a:t>website</a:t>
-            </a:r>
-            <a:endParaRPr lang="de-DE" sz="2400" b="1" u="sng" dirty="0">
-              <a:solidFill>
-                <a:schemeClr val="tx1"/>
-              </a:solidFill>
-            </a:endParaRPr>
+              <a:t> Website</a:t>
+            </a:r>
           </a:p>
         </p:txBody>
       </p:sp>
@@ -24105,24 +23259,24 @@
           <a:lstStyle/>
           <a:p>
             <a:r>
-              <a:rPr lang="de-DE" sz="2400" u="sng" dirty="0">
+              <a:rPr lang="de-DE" sz="2400" b="1" u="sng" dirty="0">
                 <a:solidFill>
-                  <a:srgbClr val="1BE1A8"/>
+                  <a:schemeClr val="tx1"/>
                 </a:solidFill>
               </a:rPr>
               <a:t>Essential </a:t>
             </a:r>
             <a:r>
-              <a:rPr lang="de-DE" sz="2400" u="sng" dirty="0" err="1">
+              <a:rPr lang="de-DE" sz="2400" b="1" u="sng" dirty="0" err="1">
                 <a:solidFill>
-                  <a:srgbClr val="1BE1A8"/>
+                  <a:schemeClr val="tx1"/>
                 </a:solidFill>
               </a:rPr>
               <a:t>functionality</a:t>
             </a:r>
-            <a:endParaRPr lang="de-DE" sz="2400" u="sng" dirty="0">
+            <a:endParaRPr lang="de-DE" sz="2400" b="1" u="sng" dirty="0">
               <a:solidFill>
-                <a:srgbClr val="1BE1A8"/>
+                <a:schemeClr val="tx1"/>
               </a:solidFill>
             </a:endParaRPr>
           </a:p>
@@ -24157,9 +23311,9 @@
           <a:lstStyle/>
           <a:p>
             <a:r>
-              <a:rPr lang="de-DE" sz="2400" u="sng" dirty="0">
+              <a:rPr lang="de-DE" sz="2400" b="1" u="sng" dirty="0">
                 <a:solidFill>
-                  <a:srgbClr val="1BE1A8"/>
+                  <a:schemeClr val="tx1"/>
                 </a:solidFill>
               </a:rPr>
               <a:t>Additional Features</a:t>
@@ -24192,6 +23346,110 @@
               <a:rPr lang="en-US"/>
               <a:t>10/5/2019</a:t>
             </a:r>
+          </a:p>
+        </p:txBody>
+      </p:sp>
+      <p:sp>
+        <p:nvSpPr>
+          <p:cNvPr id="10" name="Rechteck: abgerundete Ecken 9">
+            <a:extLst>
+              <a:ext uri="{FF2B5EF4-FFF2-40B4-BE49-F238E27FC236}">
+                <a16:creationId xmlns:a16="http://schemas.microsoft.com/office/drawing/2014/main" id="{5884ED0E-577A-419C-91E7-595A33B615AE}"/>
+              </a:ext>
+            </a:extLst>
+          </p:cNvPr>
+          <p:cNvSpPr/>
+          <p:nvPr/>
+        </p:nvSpPr>
+        <p:spPr>
+          <a:xfrm>
+            <a:off x="613795" y="1375794"/>
+            <a:ext cx="4833457" cy="4404221"/>
+          </a:xfrm>
+          <a:prstGeom prst="roundRect">
+            <a:avLst/>
+          </a:prstGeom>
+          <a:noFill/>
+          <a:ln>
+            <a:solidFill>
+              <a:srgbClr val="1BE1A8"/>
+            </a:solidFill>
+          </a:ln>
+        </p:spPr>
+        <p:style>
+          <a:lnRef idx="2">
+            <a:schemeClr val="accent1">
+              <a:shade val="50000"/>
+            </a:schemeClr>
+          </a:lnRef>
+          <a:fillRef idx="1">
+            <a:schemeClr val="accent1"/>
+          </a:fillRef>
+          <a:effectRef idx="0">
+            <a:schemeClr val="accent1"/>
+          </a:effectRef>
+          <a:fontRef idx="minor">
+            <a:schemeClr val="lt1"/>
+          </a:fontRef>
+        </p:style>
+        <p:txBody>
+          <a:bodyPr rtlCol="0" anchor="ctr"/>
+          <a:lstStyle/>
+          <a:p>
+            <a:pPr algn="ctr"/>
+            <a:endParaRPr lang="de-DE"/>
+          </a:p>
+        </p:txBody>
+      </p:sp>
+      <p:sp>
+        <p:nvSpPr>
+          <p:cNvPr id="12" name="Rechteck: abgerundete Ecken 11">
+            <a:extLst>
+              <a:ext uri="{FF2B5EF4-FFF2-40B4-BE49-F238E27FC236}">
+                <a16:creationId xmlns:a16="http://schemas.microsoft.com/office/drawing/2014/main" id="{33FAE022-A9D9-412C-996F-95225DD7625C}"/>
+              </a:ext>
+            </a:extLst>
+          </p:cNvPr>
+          <p:cNvSpPr/>
+          <p:nvPr/>
+        </p:nvSpPr>
+        <p:spPr>
+          <a:xfrm>
+            <a:off x="6744750" y="1375794"/>
+            <a:ext cx="4833457" cy="4404221"/>
+          </a:xfrm>
+          <a:prstGeom prst="roundRect">
+            <a:avLst/>
+          </a:prstGeom>
+          <a:noFill/>
+          <a:ln>
+            <a:solidFill>
+              <a:srgbClr val="1BE1A8"/>
+            </a:solidFill>
+          </a:ln>
+        </p:spPr>
+        <p:style>
+          <a:lnRef idx="2">
+            <a:schemeClr val="accent1">
+              <a:shade val="50000"/>
+            </a:schemeClr>
+          </a:lnRef>
+          <a:fillRef idx="1">
+            <a:schemeClr val="accent1"/>
+          </a:fillRef>
+          <a:effectRef idx="0">
+            <a:schemeClr val="accent1"/>
+          </a:effectRef>
+          <a:fontRef idx="minor">
+            <a:schemeClr val="lt1"/>
+          </a:fontRef>
+        </p:style>
+        <p:txBody>
+          <a:bodyPr rtlCol="0" anchor="ctr"/>
+          <a:lstStyle/>
+          <a:p>
+            <a:pPr algn="ctr"/>
+            <a:endParaRPr lang="de-DE"/>
           </a:p>
         </p:txBody>
       </p:sp>

--- a/Documents/FoundingBuddies_Pitch.pptx
+++ b/Documents/FoundingBuddies_Pitch.pptx
@@ -289,7 +289,7 @@
       </p15:sldGuideLst>
     </p:ext>
     <p:ext uri="http://customooxmlschemas.google.com/">
-      <go:slidesCustomData xmlns="" xmlns:mc="http://schemas.openxmlformats.org/markup-compatibility/2006" xmlns:mv="urn:schemas-microsoft-com:mac:vml" xmlns:c="http://schemas.openxmlformats.org/drawingml/2006/chart" xmlns:dgm="http://schemas.openxmlformats.org/drawingml/2006/diagram" xmlns:o="urn:schemas-microsoft-com:office:office" xmlns:v="urn:schemas-microsoft-com:vml" xmlns:pvml="urn:schemas-microsoft-com:office:powerpoint" xmlns:com="http://schemas.openxmlformats.org/drawingml/2006/compatibility" xmlns:p14="http://schemas.microsoft.com/office/powerpoint/2010/main" xmlns:p15="http://schemas.microsoft.com/office/powerpoint/2012/main" xmlns:go="http://customooxmlschemas.google.com/" r:id="rId16" roundtripDataSignature="AMtx7miPr667UYF9sXkcN0EMU6WIr85DMA=="/>
+      <go:slidesCustomData xmlns:go="http://customooxmlschemas.google.com/" xmlns:p15="http://schemas.microsoft.com/office/powerpoint/2012/main" xmlns:p14="http://schemas.microsoft.com/office/powerpoint/2010/main" xmlns:com="http://schemas.openxmlformats.org/drawingml/2006/compatibility" xmlns:pvml="urn:schemas-microsoft-com:office:powerpoint" xmlns:v="urn:schemas-microsoft-com:vml" xmlns:o="urn:schemas-microsoft-com:office:office" xmlns:dgm="http://schemas.openxmlformats.org/drawingml/2006/diagram" xmlns:c="http://schemas.openxmlformats.org/drawingml/2006/chart" xmlns:mv="urn:schemas-microsoft-com:mac:vml" xmlns:mc="http://schemas.openxmlformats.org/markup-compatibility/2006" xmlns="" r:id="rId16" roundtripDataSignature="AMtx7miPr667UYF9sXkcN0EMU6WIr85DMA=="/>
     </p:ext>
   </p:extLst>
 </p:presentation>
@@ -1239,7 +1239,7 @@
                 <a:cs typeface="Calibri"/>
                 <a:sym typeface="Calibri"/>
               </a:rPr>
-              <a:t>‹Nr.›</a:t>
+              <a:t>‹#›</a:t>
             </a:fld>
             <a:endParaRPr sz="1200" b="0" i="0" u="none" strike="noStrike" cap="none">
               <a:solidFill>
@@ -3226,7 +3226,7 @@
             </a:pPr>
             <a:fld id="{00000000-1234-1234-1234-123412341234}" type="slidenum">
               <a:rPr lang="de-DE"/>
-              <a:t>‹Nr.›</a:t>
+              <a:t>‹#›</a:t>
             </a:fld>
             <a:endParaRPr/>
           </a:p>
@@ -3957,7 +3957,7 @@
             </a:pPr>
             <a:fld id="{00000000-1234-1234-1234-123412341234}" type="slidenum">
               <a:rPr lang="de-DE"/>
-              <a:t>‹Nr.›</a:t>
+              <a:t>‹#›</a:t>
             </a:fld>
             <a:endParaRPr/>
           </a:p>
@@ -4688,7 +4688,7 @@
             </a:pPr>
             <a:fld id="{00000000-1234-1234-1234-123412341234}" type="slidenum">
               <a:rPr lang="de-DE"/>
-              <a:t>‹Nr.›</a:t>
+              <a:t>‹#›</a:t>
             </a:fld>
             <a:endParaRPr/>
           </a:p>
@@ -5093,7 +5093,7 @@
             </a:pPr>
             <a:fld id="{00000000-1234-1234-1234-123412341234}" type="slidenum">
               <a:rPr lang="de-DE"/>
-              <a:t>‹Nr.›</a:t>
+              <a:t>‹#›</a:t>
             </a:fld>
             <a:endParaRPr/>
           </a:p>
@@ -5824,7 +5824,7 @@
             </a:pPr>
             <a:fld id="{00000000-1234-1234-1234-123412341234}" type="slidenum">
               <a:rPr lang="de-DE"/>
-              <a:t>‹Nr.›</a:t>
+              <a:t>‹#›</a:t>
             </a:fld>
             <a:endParaRPr/>
           </a:p>
@@ -6592,7 +6592,7 @@
             </a:pPr>
             <a:fld id="{00000000-1234-1234-1234-123412341234}" type="slidenum">
               <a:rPr lang="de-DE"/>
-              <a:t>‹Nr.›</a:t>
+              <a:t>‹#›</a:t>
             </a:fld>
             <a:endParaRPr/>
           </a:p>
@@ -7510,7 +7510,7 @@
             </a:pPr>
             <a:fld id="{00000000-1234-1234-1234-123412341234}" type="slidenum">
               <a:rPr lang="de-DE"/>
-              <a:t>‹Nr.›</a:t>
+              <a:t>‹#›</a:t>
             </a:fld>
             <a:endParaRPr/>
           </a:p>
@@ -8802,7 +8802,7 @@
             </a:pPr>
             <a:fld id="{00000000-1234-1234-1234-123412341234}" type="slidenum">
               <a:rPr lang="de-DE"/>
-              <a:t>‹Nr.›</a:t>
+              <a:t>‹#›</a:t>
             </a:fld>
             <a:endParaRPr/>
           </a:p>
@@ -9346,7 +9346,7 @@
             </a:pPr>
             <a:fld id="{00000000-1234-1234-1234-123412341234}" type="slidenum">
               <a:rPr lang="de-DE"/>
-              <a:t>‹Nr.›</a:t>
+              <a:t>‹#›</a:t>
             </a:fld>
             <a:endParaRPr/>
           </a:p>
@@ -10265,7 +10265,7 @@
             </a:pPr>
             <a:fld id="{00000000-1234-1234-1234-123412341234}" type="slidenum">
               <a:rPr lang="de-DE"/>
-              <a:t>‹Nr.›</a:t>
+              <a:t>‹#›</a:t>
             </a:fld>
             <a:endParaRPr/>
           </a:p>
@@ -11265,7 +11265,7 @@
             </a:pPr>
             <a:fld id="{00000000-1234-1234-1234-123412341234}" type="slidenum">
               <a:rPr lang="de-DE"/>
-              <a:t>‹Nr.›</a:t>
+              <a:t>‹#›</a:t>
             </a:fld>
             <a:endParaRPr/>
           </a:p>
@@ -12310,7 +12310,7 @@
             </a:pPr>
             <a:fld id="{00000000-1234-1234-1234-123412341234}" type="slidenum">
               <a:rPr lang="de-DE"/>
-              <a:t>‹Nr.›</a:t>
+              <a:t>‹#›</a:t>
             </a:fld>
             <a:endParaRPr/>
           </a:p>
@@ -13396,8 +13396,8 @@
         </p:nvSpPr>
         <p:spPr>
           <a:xfrm>
-            <a:off x="839788" y="1104900"/>
-            <a:ext cx="5256212" cy="3074624"/>
+            <a:off x="839787" y="1104900"/>
+            <a:ext cx="5813561" cy="4305730"/>
           </a:xfrm>
           <a:prstGeom prst="rect">
             <a:avLst/>
@@ -13423,7 +13423,7 @@
                   <a:schemeClr val="tx1"/>
                 </a:solidFill>
               </a:rPr>
-              <a:t>Finalizing</a:t>
+              <a:t>Partnering</a:t>
             </a:r>
             <a:r>
               <a:rPr lang="de-DE" sz="2000" dirty="0">
@@ -13439,7 +13439,7 @@
                   <a:schemeClr val="tx1"/>
                 </a:solidFill>
               </a:rPr>
-              <a:t>the</a:t>
+              <a:t>with</a:t>
             </a:r>
             <a:r>
               <a:rPr lang="de-DE" sz="2000" dirty="0">
@@ -13455,7 +13455,55 @@
                   <a:schemeClr val="tx1"/>
                 </a:solidFill>
               </a:rPr>
-              <a:t>product</a:t>
+              <a:t>universities</a:t>
+            </a:r>
+            <a:r>
+              <a:rPr lang="de-DE" sz="2000" dirty="0">
+                <a:solidFill>
+                  <a:schemeClr val="tx1"/>
+                </a:solidFill>
+              </a:rPr>
+              <a:t> </a:t>
+            </a:r>
+            <a:r>
+              <a:rPr lang="de-DE" sz="2000" dirty="0" err="1">
+                <a:solidFill>
+                  <a:schemeClr val="tx1"/>
+                </a:solidFill>
+              </a:rPr>
+              <a:t>for</a:t>
+            </a:r>
+            <a:r>
+              <a:rPr lang="de-DE" sz="2000" dirty="0">
+                <a:solidFill>
+                  <a:schemeClr val="tx1"/>
+                </a:solidFill>
+              </a:rPr>
+              <a:t> </a:t>
+            </a:r>
+            <a:r>
+              <a:rPr lang="de-DE" sz="2000" dirty="0" err="1">
+                <a:solidFill>
+                  <a:schemeClr val="tx1"/>
+                </a:solidFill>
+              </a:rPr>
+              <a:t>user</a:t>
+            </a:r>
+            <a:r>
+              <a:rPr lang="de-DE" sz="2000" dirty="0">
+                <a:solidFill>
+                  <a:schemeClr val="tx1"/>
+                </a:solidFill>
+              </a:rPr>
+              <a:t> </a:t>
+            </a:r>
+            <a:r>
+              <a:rPr lang="de-DE" sz="2000" dirty="0" err="1">
+                <a:solidFill>
+                  <a:schemeClr val="tx1"/>
+                </a:solidFill>
+              </a:rPr>
+              <a:t>aquisition</a:t>
             </a:r>
             <a:endParaRPr lang="de-DE" sz="2000" dirty="0">
               <a:solidFill>
@@ -13477,7 +13525,7 @@
                   <a:schemeClr val="tx1"/>
                 </a:solidFill>
               </a:rPr>
-              <a:t>User </a:t>
+              <a:t>Implementation </a:t>
             </a:r>
             <a:r>
               <a:rPr lang="de-DE" sz="2000" dirty="0" err="1">
@@ -13485,7 +13533,23 @@
                   <a:schemeClr val="tx1"/>
                 </a:solidFill>
               </a:rPr>
-              <a:t>aquisition</a:t>
+              <a:t>of</a:t>
+            </a:r>
+            <a:r>
+              <a:rPr lang="de-DE" sz="2000" dirty="0">
+                <a:solidFill>
+                  <a:schemeClr val="tx1"/>
+                </a:solidFill>
+              </a:rPr>
+              <a:t> </a:t>
+            </a:r>
+            <a:r>
+              <a:rPr lang="de-DE" sz="2000" dirty="0" err="1">
+                <a:solidFill>
+                  <a:schemeClr val="tx1"/>
+                </a:solidFill>
+              </a:rPr>
+              <a:t>monetarization</a:t>
             </a:r>
             <a:endParaRPr lang="de-DE" sz="2000" dirty="0">
               <a:solidFill>
@@ -13502,12 +13566,20 @@
               <a:buChar char="•"/>
             </a:pPr>
             <a:r>
+              <a:rPr lang="de-DE" sz="2000" dirty="0" err="1">
+                <a:solidFill>
+                  <a:schemeClr val="tx1"/>
+                </a:solidFill>
+              </a:rPr>
+              <a:t>Inclusion</a:t>
+            </a:r>
+            <a:r>
               <a:rPr lang="de-DE" sz="2000" dirty="0">
                 <a:solidFill>
                   <a:schemeClr val="tx1"/>
                 </a:solidFill>
               </a:rPr>
-              <a:t>Implementation </a:t>
+              <a:t> </a:t>
             </a:r>
             <a:r>
               <a:rPr lang="de-DE" sz="2000" dirty="0" err="1">
@@ -13523,6 +13595,22 @@
                   <a:schemeClr val="tx1"/>
                 </a:solidFill>
               </a:rPr>
+              <a:t> a digital NDA </a:t>
+            </a:r>
+            <a:r>
+              <a:rPr lang="de-DE" sz="2000" dirty="0" err="1">
+                <a:solidFill>
+                  <a:schemeClr val="tx1"/>
+                </a:solidFill>
+              </a:rPr>
+              <a:t>system</a:t>
+            </a:r>
+            <a:r>
+              <a:rPr lang="de-DE" sz="2000" dirty="0">
+                <a:solidFill>
+                  <a:schemeClr val="tx1"/>
+                </a:solidFill>
+              </a:rPr>
               <a:t> </a:t>
             </a:r>
             <a:r>
@@ -13531,7 +13619,135 @@
                   <a:schemeClr val="tx1"/>
                 </a:solidFill>
               </a:rPr>
-              <a:t>monetarization</a:t>
+              <a:t>to</a:t>
+            </a:r>
+            <a:r>
+              <a:rPr lang="de-DE" sz="2000" dirty="0">
+                <a:solidFill>
+                  <a:schemeClr val="tx1"/>
+                </a:solidFill>
+              </a:rPr>
+              <a:t> </a:t>
+            </a:r>
+            <a:r>
+              <a:rPr lang="de-DE" sz="2000" dirty="0" err="1">
+                <a:solidFill>
+                  <a:schemeClr val="tx1"/>
+                </a:solidFill>
+              </a:rPr>
+              <a:t>protect</a:t>
+            </a:r>
+            <a:r>
+              <a:rPr lang="de-DE" sz="2000" dirty="0">
+                <a:solidFill>
+                  <a:schemeClr val="tx1"/>
+                </a:solidFill>
+              </a:rPr>
+              <a:t> </a:t>
+            </a:r>
+            <a:r>
+              <a:rPr lang="de-DE" sz="2000" dirty="0" err="1">
+                <a:solidFill>
+                  <a:schemeClr val="tx1"/>
+                </a:solidFill>
+              </a:rPr>
+              <a:t>the</a:t>
+            </a:r>
+            <a:r>
+              <a:rPr lang="de-DE" sz="2000" dirty="0">
+                <a:solidFill>
+                  <a:schemeClr val="tx1"/>
+                </a:solidFill>
+              </a:rPr>
+              <a:t> IPR </a:t>
+            </a:r>
+            <a:r>
+              <a:rPr lang="de-DE" sz="2000" dirty="0" err="1">
+                <a:solidFill>
+                  <a:schemeClr val="tx1"/>
+                </a:solidFill>
+              </a:rPr>
+              <a:t>of</a:t>
+            </a:r>
+            <a:r>
+              <a:rPr lang="de-DE" sz="2000" dirty="0">
+                <a:solidFill>
+                  <a:schemeClr val="tx1"/>
+                </a:solidFill>
+              </a:rPr>
+              <a:t> </a:t>
+            </a:r>
+            <a:r>
+              <a:rPr lang="de-DE" sz="2000" dirty="0" err="1">
+                <a:solidFill>
+                  <a:schemeClr val="tx1"/>
+                </a:solidFill>
+              </a:rPr>
+              <a:t>the</a:t>
+            </a:r>
+            <a:r>
+              <a:rPr lang="de-DE" sz="2000" dirty="0">
+                <a:solidFill>
+                  <a:schemeClr val="tx1"/>
+                </a:solidFill>
+              </a:rPr>
+              <a:t> </a:t>
+            </a:r>
+            <a:r>
+              <a:rPr lang="de-DE" sz="2000" dirty="0" err="1">
+                <a:solidFill>
+                  <a:schemeClr val="tx1"/>
+                </a:solidFill>
+              </a:rPr>
+              <a:t>students</a:t>
+            </a:r>
+            <a:r>
+              <a:rPr lang="de-DE" sz="2000" dirty="0">
+                <a:solidFill>
+                  <a:schemeClr val="tx1"/>
+                </a:solidFill>
+              </a:rPr>
+              <a:t> </a:t>
+            </a:r>
+            <a:r>
+              <a:rPr lang="de-DE" sz="2000" dirty="0" err="1">
+                <a:solidFill>
+                  <a:schemeClr val="tx1"/>
+                </a:solidFill>
+              </a:rPr>
+              <a:t>durimg</a:t>
+            </a:r>
+            <a:r>
+              <a:rPr lang="de-DE" sz="2000" dirty="0">
+                <a:solidFill>
+                  <a:schemeClr val="tx1"/>
+                </a:solidFill>
+              </a:rPr>
+              <a:t> </a:t>
+            </a:r>
+            <a:r>
+              <a:rPr lang="de-DE" sz="2000" dirty="0" err="1">
+                <a:solidFill>
+                  <a:schemeClr val="tx1"/>
+                </a:solidFill>
+              </a:rPr>
+              <a:t>chat</a:t>
+            </a:r>
+            <a:r>
+              <a:rPr lang="de-DE" sz="2000" dirty="0">
+                <a:solidFill>
+                  <a:schemeClr val="tx1"/>
+                </a:solidFill>
+              </a:rPr>
+              <a:t> </a:t>
+            </a:r>
+            <a:r>
+              <a:rPr lang="de-DE" sz="2000" dirty="0" err="1">
+                <a:solidFill>
+                  <a:schemeClr val="tx1"/>
+                </a:solidFill>
+              </a:rPr>
+              <a:t>conversations</a:t>
             </a:r>
             <a:endParaRPr lang="de-DE" sz="2000" dirty="0">
               <a:solidFill>
@@ -13570,7 +13786,7 @@
                   <a:schemeClr val="tx1"/>
                 </a:solidFill>
               </a:rPr>
-              <a:t>Partnering</a:t>
+              <a:t>Continuously</a:t>
             </a:r>
             <a:r>
               <a:rPr lang="de-DE" sz="2000" dirty="0">
@@ -13586,7 +13802,7 @@
                   <a:schemeClr val="tx1"/>
                 </a:solidFill>
               </a:rPr>
-              <a:t>with</a:t>
+              <a:t>refining</a:t>
             </a:r>
             <a:r>
               <a:rPr lang="de-DE" sz="2000" dirty="0">
@@ -13602,8 +13818,38 @@
                   <a:schemeClr val="tx1"/>
                 </a:solidFill>
               </a:rPr>
-              <a:t>Universities</a:t>
-            </a:r>
+              <a:t>the</a:t>
+            </a:r>
+            <a:r>
+              <a:rPr lang="de-DE" sz="2000" dirty="0">
+                <a:solidFill>
+                  <a:schemeClr val="tx1"/>
+                </a:solidFill>
+              </a:rPr>
+              <a:t> </a:t>
+            </a:r>
+            <a:r>
+              <a:rPr lang="de-DE" sz="2000" dirty="0" err="1">
+                <a:solidFill>
+                  <a:schemeClr val="tx1"/>
+                </a:solidFill>
+              </a:rPr>
+              <a:t>product</a:t>
+            </a:r>
+            <a:endParaRPr lang="de-DE" sz="2000" dirty="0">
+              <a:solidFill>
+                <a:schemeClr val="tx1"/>
+              </a:solidFill>
+            </a:endParaRPr>
+          </a:p>
+          <a:p>
+            <a:pPr marL="342900" indent="-342900">
+              <a:lnSpc>
+                <a:spcPct val="200000"/>
+              </a:lnSpc>
+              <a:buFont typeface="Arial" panose="020B0604020202020204" pitchFamily="34" charset="0"/>
+              <a:buChar char="•"/>
+            </a:pPr>
             <a:endParaRPr lang="de-DE" sz="2000" dirty="0">
               <a:solidFill>
                 <a:schemeClr val="tx1"/>
@@ -15605,8 +15851,8 @@
         </p:nvSpPr>
         <p:spPr>
           <a:xfrm>
-            <a:off x="1697535" y="2102310"/>
-            <a:ext cx="3229762" cy="3365024"/>
+            <a:off x="1692303" y="2096635"/>
+            <a:ext cx="3240225" cy="3365024"/>
           </a:xfrm>
           <a:prstGeom prst="rect">
             <a:avLst/>
@@ -15777,12 +16023,8 @@
               <a:buChar char="•"/>
             </a:pPr>
             <a:r>
-              <a:rPr lang="de-DE" sz="1800" dirty="0" err="1"/>
-              <a:t>Pricing</a:t>
-            </a:r>
-            <a:r>
               <a:rPr lang="de-DE" sz="1800" dirty="0"/>
-              <a:t> </a:t>
+              <a:t>Pricing </a:t>
             </a:r>
             <a:r>
               <a:rPr lang="de-DE" sz="1800" dirty="0" err="1"/>
@@ -15794,7 +16036,7 @@
             </a:r>
             <a:r>
               <a:rPr lang="de-DE" sz="1800" dirty="0" err="1"/>
-              <a:t>Subscrition</a:t>
+              <a:t>Subscription</a:t>
             </a:r>
             <a:endParaRPr lang="de-DE" sz="1800" dirty="0"/>
           </a:p>
@@ -15920,12 +16162,8 @@
               <a:buChar char="•"/>
             </a:pPr>
             <a:r>
-              <a:rPr lang="de-DE" sz="1800" dirty="0"/>
-              <a:t>In </a:t>
-            </a:r>
-            <a:r>
               <a:rPr lang="de-DE" sz="1800" dirty="0" err="1"/>
-              <a:t>case</a:t>
+              <a:t>Some</a:t>
             </a:r>
             <a:r>
               <a:rPr lang="de-DE" sz="1800" dirty="0"/>
@@ -15933,7 +16171,23 @@
             </a:r>
             <a:r>
               <a:rPr lang="de-DE" sz="1800" dirty="0" err="1"/>
-              <a:t>of</a:t>
+              <a:t>revenue</a:t>
+            </a:r>
+            <a:r>
+              <a:rPr lang="de-DE" sz="1800" dirty="0"/>
+              <a:t> stream </a:t>
+            </a:r>
+            <a:r>
+              <a:rPr lang="de-DE" sz="1800" dirty="0" err="1"/>
+              <a:t>through</a:t>
+            </a:r>
+            <a:r>
+              <a:rPr lang="de-DE" sz="1800" dirty="0"/>
+              <a:t> virtual </a:t>
+            </a:r>
+            <a:r>
+              <a:rPr lang="de-DE" sz="1800" dirty="0" err="1"/>
+              <a:t>shares</a:t>
             </a:r>
             <a:r>
               <a:rPr lang="de-DE" sz="1800" dirty="0"/>
@@ -15941,7 +16195,7 @@
             </a:r>
             <a:r>
               <a:rPr lang="de-DE" sz="1800" dirty="0" err="1"/>
-              <a:t>successfull</a:t>
+              <a:t>could</a:t>
             </a:r>
             <a:r>
               <a:rPr lang="de-DE" sz="1800" dirty="0"/>
@@ -15949,41 +16203,12 @@
             </a:r>
             <a:r>
               <a:rPr lang="de-DE" sz="1800" dirty="0" err="1"/>
-              <a:t>founding</a:t>
+              <a:t>be</a:t>
             </a:r>
             <a:r>
               <a:rPr lang="de-DE" sz="1800" dirty="0"/>
-              <a:t> </a:t>
-            </a:r>
-            <a:r>
-              <a:rPr lang="de-DE" sz="1800" dirty="0" err="1"/>
-              <a:t>we</a:t>
-            </a:r>
-            <a:r>
-              <a:rPr lang="de-DE" sz="1800" dirty="0"/>
-              <a:t> </a:t>
-            </a:r>
-            <a:r>
-              <a:rPr lang="de-DE" sz="1800" dirty="0" err="1"/>
-              <a:t>demand</a:t>
-            </a:r>
-            <a:r>
-              <a:rPr lang="de-DE" sz="1800" dirty="0"/>
-              <a:t> </a:t>
-            </a:r>
-            <a:r>
-              <a:rPr lang="de-DE" sz="1800" dirty="0" err="1"/>
-              <a:t>company</a:t>
-            </a:r>
-            <a:r>
-              <a:rPr lang="de-DE" sz="1800" dirty="0"/>
-              <a:t> </a:t>
-            </a:r>
-            <a:r>
-              <a:rPr lang="de-DE" sz="1800" dirty="0" err="1"/>
-              <a:t>shares</a:t>
-            </a:r>
-            <a:endParaRPr lang="de-DE" sz="1800" dirty="0"/>
+              <a:t> possible</a:t>
+            </a:r>
           </a:p>
         </p:txBody>
       </p:sp>
@@ -20439,14 +20664,14 @@
           <p:nvPr>
             <p:extLst>
               <p:ext uri="{D42A27DB-BD31-4B8C-83A1-F6EECF244321}">
-                <p14:modId xmlns:p14="http://schemas.microsoft.com/office/powerpoint/2010/main" val="3750572625"/>
+                <p14:modId xmlns:p14="http://schemas.microsoft.com/office/powerpoint/2010/main" val="510454437"/>
               </p:ext>
             </p:extLst>
           </p:nvPr>
         </p:nvGraphicFramePr>
         <p:xfrm>
           <a:off x="839787" y="1102466"/>
-          <a:ext cx="10512427" cy="3307635"/>
+          <a:ext cx="10512427" cy="2692770"/>
         </p:xfrm>
         <a:graphic>
           <a:graphicData uri="http://schemas.openxmlformats.org/drawingml/2006/table">
@@ -20989,7 +21214,7 @@
                             <a:srgbClr val="1BE1A8"/>
                           </a:solidFill>
                         </a:rPr>
-                        <a:t>Students</a:t>
+                        <a:t>Students of cooperating Universities</a:t>
                       </a:r>
                     </a:p>
                   </a:txBody>
@@ -22143,338 +22368,6 @@
                   </a:ext>
                 </a:extLst>
               </a:tr>
-              <a:tr h="614865">
-                <a:tc>
-                  <a:txBody>
-                    <a:bodyPr/>
-                    <a:lstStyle/>
-                    <a:p>
-                      <a:pPr algn="ctr"/>
-                      <a:endParaRPr lang="en-US" dirty="0">
-                        <a:solidFill>
-                          <a:srgbClr val="1BE1A8"/>
-                        </a:solidFill>
-                      </a:endParaRPr>
-                    </a:p>
-                  </a:txBody>
-                  <a:tcPr anchor="ctr">
-                    <a:lnL w="12700" cap="flat" cmpd="sng" algn="ctr">
-                      <a:solidFill>
-                        <a:schemeClr val="tx1"/>
-                      </a:solidFill>
-                      <a:prstDash val="solid"/>
-                      <a:round/>
-                      <a:headEnd type="none" w="med" len="med"/>
-                      <a:tailEnd type="none" w="med" len="med"/>
-                    </a:lnL>
-                    <a:lnR w="12700" cap="flat" cmpd="sng" algn="ctr">
-                      <a:solidFill>
-                        <a:schemeClr val="tx1"/>
-                      </a:solidFill>
-                      <a:prstDash val="solid"/>
-                      <a:round/>
-                      <a:headEnd type="none" w="med" len="med"/>
-                      <a:tailEnd type="none" w="med" len="med"/>
-                    </a:lnR>
-                    <a:lnT w="12700" cap="flat" cmpd="sng" algn="ctr">
-                      <a:solidFill>
-                        <a:schemeClr val="tx1"/>
-                      </a:solidFill>
-                      <a:prstDash val="solid"/>
-                      <a:round/>
-                      <a:headEnd type="none" w="med" len="med"/>
-                      <a:tailEnd type="none" w="med" len="med"/>
-                    </a:lnT>
-                    <a:lnB w="12700" cap="flat" cmpd="sng" algn="ctr">
-                      <a:solidFill>
-                        <a:schemeClr val="tx1"/>
-                      </a:solidFill>
-                      <a:prstDash val="solid"/>
-                      <a:round/>
-                      <a:headEnd type="none" w="med" len="med"/>
-                      <a:tailEnd type="none" w="med" len="med"/>
-                    </a:lnB>
-                    <a:solidFill>
-                      <a:schemeClr val="bg1"/>
-                    </a:solidFill>
-                  </a:tcPr>
-                </a:tc>
-                <a:tc>
-                  <a:txBody>
-                    <a:bodyPr/>
-                    <a:lstStyle/>
-                    <a:p>
-                      <a:endParaRPr lang="en-US" dirty="0">
-                        <a:solidFill>
-                          <a:srgbClr val="1BE1A8"/>
-                        </a:solidFill>
-                      </a:endParaRPr>
-                    </a:p>
-                  </a:txBody>
-                  <a:tcPr>
-                    <a:lnL w="12700" cap="flat" cmpd="sng" algn="ctr">
-                      <a:solidFill>
-                        <a:schemeClr val="tx1"/>
-                      </a:solidFill>
-                      <a:prstDash val="solid"/>
-                      <a:round/>
-                      <a:headEnd type="none" w="med" len="med"/>
-                      <a:tailEnd type="none" w="med" len="med"/>
-                    </a:lnL>
-                    <a:lnR w="12700" cap="flat" cmpd="sng" algn="ctr">
-                      <a:solidFill>
-                        <a:schemeClr val="tx1"/>
-                      </a:solidFill>
-                      <a:prstDash val="solid"/>
-                      <a:round/>
-                      <a:headEnd type="none" w="med" len="med"/>
-                      <a:tailEnd type="none" w="med" len="med"/>
-                    </a:lnR>
-                    <a:lnT w="12700" cap="flat" cmpd="sng" algn="ctr">
-                      <a:solidFill>
-                        <a:schemeClr val="tx1"/>
-                      </a:solidFill>
-                      <a:prstDash val="solid"/>
-                      <a:round/>
-                      <a:headEnd type="none" w="med" len="med"/>
-                      <a:tailEnd type="none" w="med" len="med"/>
-                    </a:lnT>
-                    <a:lnB w="12700" cap="flat" cmpd="sng" algn="ctr">
-                      <a:solidFill>
-                        <a:schemeClr val="tx1"/>
-                      </a:solidFill>
-                      <a:prstDash val="solid"/>
-                      <a:round/>
-                      <a:headEnd type="none" w="med" len="med"/>
-                      <a:tailEnd type="none" w="med" len="med"/>
-                    </a:lnB>
-                    <a:solidFill>
-                      <a:schemeClr val="bg1"/>
-                    </a:solidFill>
-                  </a:tcPr>
-                </a:tc>
-                <a:tc>
-                  <a:txBody>
-                    <a:bodyPr/>
-                    <a:lstStyle/>
-                    <a:p>
-                      <a:endParaRPr lang="en-US">
-                        <a:solidFill>
-                          <a:srgbClr val="1BE1A8"/>
-                        </a:solidFill>
-                      </a:endParaRPr>
-                    </a:p>
-                  </a:txBody>
-                  <a:tcPr>
-                    <a:lnL w="12700" cap="flat" cmpd="sng" algn="ctr">
-                      <a:solidFill>
-                        <a:schemeClr val="tx1"/>
-                      </a:solidFill>
-                      <a:prstDash val="solid"/>
-                      <a:round/>
-                      <a:headEnd type="none" w="med" len="med"/>
-                      <a:tailEnd type="none" w="med" len="med"/>
-                    </a:lnL>
-                    <a:lnR w="12700" cap="flat" cmpd="sng" algn="ctr">
-                      <a:solidFill>
-                        <a:schemeClr val="tx1"/>
-                      </a:solidFill>
-                      <a:prstDash val="solid"/>
-                      <a:round/>
-                      <a:headEnd type="none" w="med" len="med"/>
-                      <a:tailEnd type="none" w="med" len="med"/>
-                    </a:lnR>
-                    <a:lnT w="12700" cap="flat" cmpd="sng" algn="ctr">
-                      <a:solidFill>
-                        <a:schemeClr val="tx1"/>
-                      </a:solidFill>
-                      <a:prstDash val="solid"/>
-                      <a:round/>
-                      <a:headEnd type="none" w="med" len="med"/>
-                      <a:tailEnd type="none" w="med" len="med"/>
-                    </a:lnT>
-                    <a:lnB w="12700" cap="flat" cmpd="sng" algn="ctr">
-                      <a:solidFill>
-                        <a:schemeClr val="tx1"/>
-                      </a:solidFill>
-                      <a:prstDash val="solid"/>
-                      <a:round/>
-                      <a:headEnd type="none" w="med" len="med"/>
-                      <a:tailEnd type="none" w="med" len="med"/>
-                    </a:lnB>
-                    <a:solidFill>
-                      <a:schemeClr val="bg1"/>
-                    </a:solidFill>
-                  </a:tcPr>
-                </a:tc>
-                <a:tc>
-                  <a:txBody>
-                    <a:bodyPr/>
-                    <a:lstStyle/>
-                    <a:p>
-                      <a:endParaRPr lang="en-US" dirty="0">
-                        <a:solidFill>
-                          <a:srgbClr val="1BE1A8"/>
-                        </a:solidFill>
-                      </a:endParaRPr>
-                    </a:p>
-                  </a:txBody>
-                  <a:tcPr>
-                    <a:lnL w="12700" cap="flat" cmpd="sng" algn="ctr">
-                      <a:solidFill>
-                        <a:schemeClr val="tx1"/>
-                      </a:solidFill>
-                      <a:prstDash val="solid"/>
-                      <a:round/>
-                      <a:headEnd type="none" w="med" len="med"/>
-                      <a:tailEnd type="none" w="med" len="med"/>
-                    </a:lnL>
-                    <a:lnR w="12700" cap="flat" cmpd="sng" algn="ctr">
-                      <a:solidFill>
-                        <a:schemeClr val="tx1"/>
-                      </a:solidFill>
-                      <a:prstDash val="solid"/>
-                      <a:round/>
-                      <a:headEnd type="none" w="med" len="med"/>
-                      <a:tailEnd type="none" w="med" len="med"/>
-                    </a:lnR>
-                    <a:lnT w="12700" cap="flat" cmpd="sng" algn="ctr">
-                      <a:solidFill>
-                        <a:schemeClr val="tx1"/>
-                      </a:solidFill>
-                      <a:prstDash val="solid"/>
-                      <a:round/>
-                      <a:headEnd type="none" w="med" len="med"/>
-                      <a:tailEnd type="none" w="med" len="med"/>
-                    </a:lnT>
-                    <a:lnB w="12700" cap="flat" cmpd="sng" algn="ctr">
-                      <a:solidFill>
-                        <a:schemeClr val="tx1"/>
-                      </a:solidFill>
-                      <a:prstDash val="solid"/>
-                      <a:round/>
-                      <a:headEnd type="none" w="med" len="med"/>
-                      <a:tailEnd type="none" w="med" len="med"/>
-                    </a:lnB>
-                    <a:solidFill>
-                      <a:schemeClr val="bg1"/>
-                    </a:solidFill>
-                  </a:tcPr>
-                </a:tc>
-                <a:tc>
-                  <a:txBody>
-                    <a:bodyPr/>
-                    <a:lstStyle/>
-                    <a:p>
-                      <a:endParaRPr lang="en-US" dirty="0">
-                        <a:solidFill>
-                          <a:srgbClr val="1BE1A8"/>
-                        </a:solidFill>
-                      </a:endParaRPr>
-                    </a:p>
-                  </a:txBody>
-                  <a:tcPr>
-                    <a:lnL w="12700" cap="flat" cmpd="sng" algn="ctr">
-                      <a:solidFill>
-                        <a:schemeClr val="tx1"/>
-                      </a:solidFill>
-                      <a:prstDash val="solid"/>
-                      <a:round/>
-                      <a:headEnd type="none" w="med" len="med"/>
-                      <a:tailEnd type="none" w="med" len="med"/>
-                    </a:lnL>
-                    <a:lnR w="12700" cap="flat" cmpd="sng" algn="ctr">
-                      <a:solidFill>
-                        <a:schemeClr val="tx1"/>
-                      </a:solidFill>
-                      <a:prstDash val="solid"/>
-                      <a:round/>
-                      <a:headEnd type="none" w="med" len="med"/>
-                      <a:tailEnd type="none" w="med" len="med"/>
-                    </a:lnR>
-                    <a:lnT w="12700" cap="flat" cmpd="sng" algn="ctr">
-                      <a:solidFill>
-                        <a:schemeClr val="tx1"/>
-                      </a:solidFill>
-                      <a:prstDash val="solid"/>
-                      <a:round/>
-                      <a:headEnd type="none" w="med" len="med"/>
-                      <a:tailEnd type="none" w="med" len="med"/>
-                    </a:lnT>
-                    <a:lnB w="12700" cap="flat" cmpd="sng" algn="ctr">
-                      <a:solidFill>
-                        <a:schemeClr val="tx1"/>
-                      </a:solidFill>
-                      <a:prstDash val="solid"/>
-                      <a:round/>
-                      <a:headEnd type="none" w="med" len="med"/>
-                      <a:tailEnd type="none" w="med" len="med"/>
-                    </a:lnB>
-                    <a:solidFill>
-                      <a:schemeClr val="bg1"/>
-                    </a:solidFill>
-                  </a:tcPr>
-                </a:tc>
-                <a:tc>
-                  <a:txBody>
-                    <a:bodyPr/>
-                    <a:lstStyle/>
-                    <a:p>
-                      <a:endParaRPr lang="en-US" dirty="0">
-                        <a:solidFill>
-                          <a:srgbClr val="1BE1A8"/>
-                        </a:solidFill>
-                      </a:endParaRPr>
-                    </a:p>
-                  </a:txBody>
-                  <a:tcPr>
-                    <a:lnL w="12700" cap="flat" cmpd="sng" algn="ctr">
-                      <a:solidFill>
-                        <a:schemeClr val="tx1"/>
-                      </a:solidFill>
-                      <a:prstDash val="solid"/>
-                      <a:round/>
-                      <a:headEnd type="none" w="med" len="med"/>
-                      <a:tailEnd type="none" w="med" len="med"/>
-                    </a:lnL>
-                    <a:lnR w="12700" cap="flat" cmpd="sng" algn="ctr">
-                      <a:solidFill>
-                        <a:schemeClr val="tx1"/>
-                      </a:solidFill>
-                      <a:prstDash val="solid"/>
-                      <a:round/>
-                      <a:headEnd type="none" w="med" len="med"/>
-                      <a:tailEnd type="none" w="med" len="med"/>
-                    </a:lnR>
-                    <a:lnT w="12700" cap="flat" cmpd="sng" algn="ctr">
-                      <a:solidFill>
-                        <a:schemeClr val="tx1"/>
-                      </a:solidFill>
-                      <a:prstDash val="solid"/>
-                      <a:round/>
-                      <a:headEnd type="none" w="med" len="med"/>
-                      <a:tailEnd type="none" w="med" len="med"/>
-                    </a:lnT>
-                    <a:lnB w="12700" cap="flat" cmpd="sng" algn="ctr">
-                      <a:solidFill>
-                        <a:schemeClr val="tx1"/>
-                      </a:solidFill>
-                      <a:prstDash val="solid"/>
-                      <a:round/>
-                      <a:headEnd type="none" w="med" len="med"/>
-                      <a:tailEnd type="none" w="med" len="med"/>
-                    </a:lnB>
-                    <a:solidFill>
-                      <a:schemeClr val="bg1"/>
-                    </a:solidFill>
-                  </a:tcPr>
-                </a:tc>
-                <a:extLst>
-                  <a:ext uri="{0D108BD9-81ED-4DB2-BD59-A6C34878D82A}">
-                    <a16:rowId xmlns:a16="http://schemas.microsoft.com/office/drawing/2014/main" val="2905013480"/>
-                  </a:ext>
-                </a:extLst>
-              </a:tr>
             </a:tbl>
           </a:graphicData>
         </a:graphic>
@@ -22513,7 +22406,15 @@
             </a:r>
             <a:r>
               <a:rPr lang="en-GB" sz="2400" dirty="0"/>
-              <a:t> CodeArmy, FounderDating, LeanStartupMachine, LetsLunch, Meetup, StartupWeekend, YouNoodle, Startup Sucht!!!, FoundersNation </a:t>
+              <a:t> Angel List, </a:t>
+            </a:r>
+            <a:r>
+              <a:rPr lang="en-GB" sz="2400" dirty="0" err="1"/>
+              <a:t>CodeArmy</a:t>
+            </a:r>
+            <a:r>
+              <a:rPr lang="en-GB" sz="2400" dirty="0"/>
+              <a:t>, FounderDating, LeanStartupMachine, LetsLunch, Meetup, StartupWeekend, YouNoodle, Startup Sucht!!!, FoundersNation </a:t>
             </a:r>
           </a:p>
         </p:txBody>
@@ -22668,8 +22569,8 @@
         </p:nvSpPr>
         <p:spPr>
           <a:xfrm>
-            <a:off x="839788" y="1125538"/>
-            <a:ext cx="7675926" cy="2459071"/>
+            <a:off x="839787" y="1125538"/>
+            <a:ext cx="8356463" cy="3074624"/>
           </a:xfrm>
           <a:prstGeom prst="rect">
             <a:avLst/>
@@ -22777,6 +22678,80 @@
             <a:r>
               <a:rPr lang="de-DE" sz="2000" dirty="0" err="1"/>
               <a:t>universities</a:t>
+            </a:r>
+            <a:endParaRPr lang="de-DE" sz="2000" dirty="0"/>
+          </a:p>
+          <a:p>
+            <a:pPr marL="285750" indent="-285750">
+              <a:lnSpc>
+                <a:spcPct val="200000"/>
+              </a:lnSpc>
+              <a:buFont typeface="Arial" panose="020B0604020202020204" pitchFamily="34" charset="0"/>
+              <a:buChar char="•"/>
+            </a:pPr>
+            <a:r>
+              <a:rPr lang="de-DE" sz="2000" dirty="0"/>
+              <a:t>Easy </a:t>
+            </a:r>
+            <a:r>
+              <a:rPr lang="de-DE" sz="2000" dirty="0" err="1"/>
+              <a:t>to</a:t>
+            </a:r>
+            <a:r>
+              <a:rPr lang="de-DE" sz="2000" dirty="0"/>
+              <a:t> </a:t>
+            </a:r>
+            <a:r>
+              <a:rPr lang="de-DE" sz="2000" dirty="0" err="1"/>
+              <a:t>use</a:t>
+            </a:r>
+            <a:r>
+              <a:rPr lang="de-DE" sz="2000" dirty="0"/>
+              <a:t> online </a:t>
+            </a:r>
+            <a:r>
+              <a:rPr lang="de-DE" sz="2000" dirty="0" err="1"/>
+              <a:t>solution</a:t>
+            </a:r>
+            <a:r>
+              <a:rPr lang="de-DE" sz="2000" dirty="0"/>
+              <a:t> </a:t>
+            </a:r>
+            <a:r>
+              <a:rPr lang="de-DE" sz="2000" dirty="0" err="1"/>
+              <a:t>with</a:t>
+            </a:r>
+            <a:r>
+              <a:rPr lang="de-DE" sz="2000" dirty="0"/>
+              <a:t> </a:t>
+            </a:r>
+            <a:r>
+              <a:rPr lang="de-DE" sz="2000" dirty="0" err="1"/>
+              <a:t>university</a:t>
+            </a:r>
+            <a:r>
+              <a:rPr lang="de-DE" sz="2000" dirty="0"/>
+              <a:t> </a:t>
+            </a:r>
+            <a:r>
+              <a:rPr lang="de-DE" sz="2000" dirty="0" err="1"/>
+              <a:t>concentrated</a:t>
+            </a:r>
+            <a:r>
+              <a:rPr lang="de-DE" sz="2000" dirty="0"/>
+              <a:t> </a:t>
+            </a:r>
+            <a:r>
+              <a:rPr lang="de-DE" sz="2000" dirty="0" err="1"/>
+              <a:t>target</a:t>
+            </a:r>
+            <a:r>
+              <a:rPr lang="de-DE" sz="2000" dirty="0"/>
+              <a:t> </a:t>
+            </a:r>
+            <a:r>
+              <a:rPr lang="de-DE" sz="2000" dirty="0" err="1"/>
+              <a:t>groups</a:t>
             </a:r>
             <a:endParaRPr lang="de-DE" sz="2000" dirty="0"/>
           </a:p>

--- a/Documents/FoundingBuddies_Pitch.pptx
+++ b/Documents/FoundingBuddies_Pitch.pptx
@@ -289,7 +289,7 @@
       </p15:sldGuideLst>
     </p:ext>
     <p:ext uri="http://customooxmlschemas.google.com/">
-      <go:slidesCustomData xmlns:go="http://customooxmlschemas.google.com/" xmlns:p15="http://schemas.microsoft.com/office/powerpoint/2012/main" xmlns:p14="http://schemas.microsoft.com/office/powerpoint/2010/main" xmlns:com="http://schemas.openxmlformats.org/drawingml/2006/compatibility" xmlns:pvml="urn:schemas-microsoft-com:office:powerpoint" xmlns:v="urn:schemas-microsoft-com:vml" xmlns:o="urn:schemas-microsoft-com:office:office" xmlns:dgm="http://schemas.openxmlformats.org/drawingml/2006/diagram" xmlns:c="http://schemas.openxmlformats.org/drawingml/2006/chart" xmlns:mv="urn:schemas-microsoft-com:mac:vml" xmlns:mc="http://schemas.openxmlformats.org/markup-compatibility/2006" xmlns="" r:id="rId16" roundtripDataSignature="AMtx7miPr667UYF9sXkcN0EMU6WIr85DMA=="/>
+      <go:slidesCustomData xmlns="" xmlns:mc="http://schemas.openxmlformats.org/markup-compatibility/2006" xmlns:mv="urn:schemas-microsoft-com:mac:vml" xmlns:c="http://schemas.openxmlformats.org/drawingml/2006/chart" xmlns:dgm="http://schemas.openxmlformats.org/drawingml/2006/diagram" xmlns:o="urn:schemas-microsoft-com:office:office" xmlns:v="urn:schemas-microsoft-com:vml" xmlns:pvml="urn:schemas-microsoft-com:office:powerpoint" xmlns:com="http://schemas.openxmlformats.org/drawingml/2006/compatibility" xmlns:p14="http://schemas.microsoft.com/office/powerpoint/2010/main" xmlns:p15="http://schemas.microsoft.com/office/powerpoint/2012/main" xmlns:go="http://customooxmlschemas.google.com/" r:id="rId16" roundtripDataSignature="AMtx7miPr667UYF9sXkcN0EMU6WIr85DMA=="/>
     </p:ext>
   </p:extLst>
 </p:presentation>
@@ -1239,7 +1239,7 @@
                 <a:cs typeface="Calibri"/>
                 <a:sym typeface="Calibri"/>
               </a:rPr>
-              <a:t>‹#›</a:t>
+              <a:t>‹Nr.›</a:t>
             </a:fld>
             <a:endParaRPr sz="1200" b="0" i="0" u="none" strike="noStrike" cap="none">
               <a:solidFill>
@@ -3226,7 +3226,7 @@
             </a:pPr>
             <a:fld id="{00000000-1234-1234-1234-123412341234}" type="slidenum">
               <a:rPr lang="de-DE"/>
-              <a:t>‹#›</a:t>
+              <a:t>‹Nr.›</a:t>
             </a:fld>
             <a:endParaRPr/>
           </a:p>
@@ -3957,7 +3957,7 @@
             </a:pPr>
             <a:fld id="{00000000-1234-1234-1234-123412341234}" type="slidenum">
               <a:rPr lang="de-DE"/>
-              <a:t>‹#›</a:t>
+              <a:t>‹Nr.›</a:t>
             </a:fld>
             <a:endParaRPr/>
           </a:p>
@@ -4688,7 +4688,7 @@
             </a:pPr>
             <a:fld id="{00000000-1234-1234-1234-123412341234}" type="slidenum">
               <a:rPr lang="de-DE"/>
-              <a:t>‹#›</a:t>
+              <a:t>‹Nr.›</a:t>
             </a:fld>
             <a:endParaRPr/>
           </a:p>
@@ -5093,7 +5093,7 @@
             </a:pPr>
             <a:fld id="{00000000-1234-1234-1234-123412341234}" type="slidenum">
               <a:rPr lang="de-DE"/>
-              <a:t>‹#›</a:t>
+              <a:t>‹Nr.›</a:t>
             </a:fld>
             <a:endParaRPr/>
           </a:p>
@@ -5824,7 +5824,7 @@
             </a:pPr>
             <a:fld id="{00000000-1234-1234-1234-123412341234}" type="slidenum">
               <a:rPr lang="de-DE"/>
-              <a:t>‹#›</a:t>
+              <a:t>‹Nr.›</a:t>
             </a:fld>
             <a:endParaRPr/>
           </a:p>
@@ -6592,7 +6592,7 @@
             </a:pPr>
             <a:fld id="{00000000-1234-1234-1234-123412341234}" type="slidenum">
               <a:rPr lang="de-DE"/>
-              <a:t>‹#›</a:t>
+              <a:t>‹Nr.›</a:t>
             </a:fld>
             <a:endParaRPr/>
           </a:p>
@@ -7510,7 +7510,7 @@
             </a:pPr>
             <a:fld id="{00000000-1234-1234-1234-123412341234}" type="slidenum">
               <a:rPr lang="de-DE"/>
-              <a:t>‹#›</a:t>
+              <a:t>‹Nr.›</a:t>
             </a:fld>
             <a:endParaRPr/>
           </a:p>
@@ -8802,7 +8802,7 @@
             </a:pPr>
             <a:fld id="{00000000-1234-1234-1234-123412341234}" type="slidenum">
               <a:rPr lang="de-DE"/>
-              <a:t>‹#›</a:t>
+              <a:t>‹Nr.›</a:t>
             </a:fld>
             <a:endParaRPr/>
           </a:p>
@@ -9346,7 +9346,7 @@
             </a:pPr>
             <a:fld id="{00000000-1234-1234-1234-123412341234}" type="slidenum">
               <a:rPr lang="de-DE"/>
-              <a:t>‹#›</a:t>
+              <a:t>‹Nr.›</a:t>
             </a:fld>
             <a:endParaRPr/>
           </a:p>
@@ -10265,7 +10265,7 @@
             </a:pPr>
             <a:fld id="{00000000-1234-1234-1234-123412341234}" type="slidenum">
               <a:rPr lang="de-DE"/>
-              <a:t>‹#›</a:t>
+              <a:t>‹Nr.›</a:t>
             </a:fld>
             <a:endParaRPr/>
           </a:p>
@@ -11265,7 +11265,7 @@
             </a:pPr>
             <a:fld id="{00000000-1234-1234-1234-123412341234}" type="slidenum">
               <a:rPr lang="de-DE"/>
-              <a:t>‹#›</a:t>
+              <a:t>‹Nr.›</a:t>
             </a:fld>
             <a:endParaRPr/>
           </a:p>
@@ -12310,7 +12310,7 @@
             </a:pPr>
             <a:fld id="{00000000-1234-1234-1234-123412341234}" type="slidenum">
               <a:rPr lang="de-DE"/>
-              <a:t>‹#›</a:t>
+              <a:t>‹Nr.›</a:t>
             </a:fld>
             <a:endParaRPr/>
           </a:p>
@@ -20664,14 +20664,14 @@
           <p:nvPr>
             <p:extLst>
               <p:ext uri="{D42A27DB-BD31-4B8C-83A1-F6EECF244321}">
-                <p14:modId xmlns:p14="http://schemas.microsoft.com/office/powerpoint/2010/main" val="510454437"/>
+                <p14:modId xmlns:p14="http://schemas.microsoft.com/office/powerpoint/2010/main" val="3438882986"/>
               </p:ext>
             </p:extLst>
           </p:nvPr>
         </p:nvGraphicFramePr>
         <p:xfrm>
           <a:off x="839787" y="1102466"/>
-          <a:ext cx="10512427" cy="2692770"/>
+          <a:ext cx="10512427" cy="3307635"/>
         </p:xfrm>
         <a:graphic>
           <a:graphicData uri="http://schemas.openxmlformats.org/drawingml/2006/table">
@@ -21338,7 +21338,7 @@
                             <a:srgbClr val="1BE1A8"/>
                           </a:solidFill>
                         </a:rPr>
-                        <a:t>?</a:t>
+                        <a:t>TUM Students</a:t>
                       </a:r>
                     </a:p>
                   </a:txBody>
@@ -22368,6 +22368,474 @@
                   </a:ext>
                 </a:extLst>
               </a:tr>
+              <a:tr h="614865">
+                <a:tc>
+                  <a:txBody>
+                    <a:bodyPr/>
+                    <a:lstStyle/>
+                    <a:p>
+                      <a:pPr algn="ctr"/>
+                      <a:r>
+                        <a:rPr lang="en-US" dirty="0">
+                          <a:solidFill>
+                            <a:srgbClr val="1BE1A8"/>
+                          </a:solidFill>
+                        </a:rPr>
+                        <a:t>Type</a:t>
+                      </a:r>
+                    </a:p>
+                  </a:txBody>
+                  <a:tcPr anchor="ctr">
+                    <a:lnL w="12700" cap="flat" cmpd="sng" algn="ctr">
+                      <a:solidFill>
+                        <a:schemeClr val="tx1"/>
+                      </a:solidFill>
+                      <a:prstDash val="solid"/>
+                      <a:round/>
+                      <a:headEnd type="none" w="med" len="med"/>
+                      <a:tailEnd type="none" w="med" len="med"/>
+                    </a:lnL>
+                    <a:lnR w="12700" cap="flat" cmpd="sng" algn="ctr">
+                      <a:solidFill>
+                        <a:schemeClr val="tx1"/>
+                      </a:solidFill>
+                      <a:prstDash val="solid"/>
+                      <a:round/>
+                      <a:headEnd type="none" w="med" len="med"/>
+                      <a:tailEnd type="none" w="med" len="med"/>
+                    </a:lnR>
+                    <a:lnT w="12700" cap="flat" cmpd="sng" algn="ctr">
+                      <a:solidFill>
+                        <a:schemeClr val="tx1"/>
+                      </a:solidFill>
+                      <a:prstDash val="solid"/>
+                      <a:round/>
+                      <a:headEnd type="none" w="med" len="med"/>
+                      <a:tailEnd type="none" w="med" len="med"/>
+                    </a:lnT>
+                    <a:lnB w="12700" cap="flat" cmpd="sng" algn="ctr">
+                      <a:solidFill>
+                        <a:schemeClr val="tx1"/>
+                      </a:solidFill>
+                      <a:prstDash val="solid"/>
+                      <a:round/>
+                      <a:headEnd type="none" w="med" len="med"/>
+                      <a:tailEnd type="none" w="med" len="med"/>
+                    </a:lnB>
+                    <a:solidFill>
+                      <a:schemeClr val="bg1"/>
+                    </a:solidFill>
+                  </a:tcPr>
+                </a:tc>
+                <a:tc>
+                  <a:txBody>
+                    <a:bodyPr/>
+                    <a:lstStyle/>
+                    <a:p>
+                      <a:pPr algn="ctr"/>
+                      <a:r>
+                        <a:rPr lang="en-US" sz="1400" dirty="0">
+                          <a:solidFill>
+                            <a:srgbClr val="1BE1A8"/>
+                          </a:solidFill>
+                          <a:latin typeface="+mn-lt"/>
+                        </a:rPr>
+                        <a:t>Platform</a:t>
+                      </a:r>
+                    </a:p>
+                  </a:txBody>
+                  <a:tcPr anchor="ctr">
+                    <a:lnL w="12700" cap="flat" cmpd="sng" algn="ctr">
+                      <a:solidFill>
+                        <a:schemeClr val="tx1"/>
+                      </a:solidFill>
+                      <a:prstDash val="solid"/>
+                      <a:round/>
+                      <a:headEnd type="none" w="med" len="med"/>
+                      <a:tailEnd type="none" w="med" len="med"/>
+                    </a:lnL>
+                    <a:lnR w="12700" cap="flat" cmpd="sng" algn="ctr">
+                      <a:solidFill>
+                        <a:schemeClr val="tx1"/>
+                      </a:solidFill>
+                      <a:prstDash val="solid"/>
+                      <a:round/>
+                      <a:headEnd type="none" w="med" len="med"/>
+                      <a:tailEnd type="none" w="med" len="med"/>
+                    </a:lnR>
+                    <a:lnT w="12700" cap="flat" cmpd="sng" algn="ctr">
+                      <a:solidFill>
+                        <a:schemeClr val="tx1"/>
+                      </a:solidFill>
+                      <a:prstDash val="solid"/>
+                      <a:round/>
+                      <a:headEnd type="none" w="med" len="med"/>
+                      <a:tailEnd type="none" w="med" len="med"/>
+                    </a:lnT>
+                    <a:lnB w="12700" cap="flat" cmpd="sng" algn="ctr">
+                      <a:solidFill>
+                        <a:schemeClr val="tx1"/>
+                      </a:solidFill>
+                      <a:prstDash val="solid"/>
+                      <a:round/>
+                      <a:headEnd type="none" w="med" len="med"/>
+                      <a:tailEnd type="none" w="med" len="med"/>
+                    </a:lnB>
+                    <a:solidFill>
+                      <a:schemeClr val="bg1"/>
+                    </a:solidFill>
+                  </a:tcPr>
+                </a:tc>
+                <a:tc>
+                  <a:txBody>
+                    <a:bodyPr/>
+                    <a:lstStyle/>
+                    <a:p>
+                      <a:pPr marL="0" marR="0" lvl="0" indent="0" algn="ctr" defTabSz="914400" rtl="0" eaLnBrk="1" fontAlgn="auto" latinLnBrk="0" hangingPunct="1">
+                        <a:lnSpc>
+                          <a:spcPct val="100000"/>
+                        </a:lnSpc>
+                        <a:spcBef>
+                          <a:spcPts val="0"/>
+                        </a:spcBef>
+                        <a:spcAft>
+                          <a:spcPts val="0"/>
+                        </a:spcAft>
+                        <a:buClr>
+                          <a:srgbClr val="000000"/>
+                        </a:buClr>
+                        <a:buSzTx/>
+                        <a:buFont typeface="Arial"/>
+                        <a:buNone/>
+                        <a:tabLst/>
+                        <a:defRPr/>
+                      </a:pPr>
+                      <a:r>
+                        <a:rPr kumimoji="0" lang="en-US" sz="1400" b="0" i="0" u="none" strike="noStrike" kern="0" cap="none" spc="0" normalizeH="0" baseline="0" noProof="0" dirty="0">
+                          <a:ln>
+                            <a:noFill/>
+                          </a:ln>
+                          <a:solidFill>
+                            <a:srgbClr val="1BE1A8"/>
+                          </a:solidFill>
+                          <a:effectLst/>
+                          <a:uLnTx/>
+                          <a:uFillTx/>
+                          <a:latin typeface="+mn-lt"/>
+                          <a:ea typeface="+mn-ea"/>
+                          <a:cs typeface="+mn-cs"/>
+                          <a:sym typeface="Arial"/>
+                        </a:rPr>
+                        <a:t>Platform</a:t>
+                      </a:r>
+                    </a:p>
+                  </a:txBody>
+                  <a:tcPr anchor="ctr">
+                    <a:lnL w="12700" cap="flat" cmpd="sng" algn="ctr">
+                      <a:solidFill>
+                        <a:schemeClr val="tx1"/>
+                      </a:solidFill>
+                      <a:prstDash val="solid"/>
+                      <a:round/>
+                      <a:headEnd type="none" w="med" len="med"/>
+                      <a:tailEnd type="none" w="med" len="med"/>
+                    </a:lnL>
+                    <a:lnR w="12700" cap="flat" cmpd="sng" algn="ctr">
+                      <a:solidFill>
+                        <a:schemeClr val="tx1"/>
+                      </a:solidFill>
+                      <a:prstDash val="solid"/>
+                      <a:round/>
+                      <a:headEnd type="none" w="med" len="med"/>
+                      <a:tailEnd type="none" w="med" len="med"/>
+                    </a:lnR>
+                    <a:lnT w="12700" cap="flat" cmpd="sng" algn="ctr">
+                      <a:solidFill>
+                        <a:schemeClr val="tx1"/>
+                      </a:solidFill>
+                      <a:prstDash val="solid"/>
+                      <a:round/>
+                      <a:headEnd type="none" w="med" len="med"/>
+                      <a:tailEnd type="none" w="med" len="med"/>
+                    </a:lnT>
+                    <a:lnB w="12700" cap="flat" cmpd="sng" algn="ctr">
+                      <a:solidFill>
+                        <a:schemeClr val="tx1"/>
+                      </a:solidFill>
+                      <a:prstDash val="solid"/>
+                      <a:round/>
+                      <a:headEnd type="none" w="med" len="med"/>
+                      <a:tailEnd type="none" w="med" len="med"/>
+                    </a:lnB>
+                    <a:solidFill>
+                      <a:schemeClr val="bg1"/>
+                    </a:solidFill>
+                  </a:tcPr>
+                </a:tc>
+                <a:tc>
+                  <a:txBody>
+                    <a:bodyPr/>
+                    <a:lstStyle/>
+                    <a:p>
+                      <a:pPr marL="0" marR="0" lvl="0" indent="0" algn="ctr" defTabSz="914400" rtl="0" eaLnBrk="1" fontAlgn="auto" latinLnBrk="0" hangingPunct="1">
+                        <a:lnSpc>
+                          <a:spcPct val="100000"/>
+                        </a:lnSpc>
+                        <a:spcBef>
+                          <a:spcPts val="0"/>
+                        </a:spcBef>
+                        <a:spcAft>
+                          <a:spcPts val="0"/>
+                        </a:spcAft>
+                        <a:buClr>
+                          <a:srgbClr val="000000"/>
+                        </a:buClr>
+                        <a:buSzTx/>
+                        <a:buFont typeface="Arial"/>
+                        <a:buNone/>
+                        <a:tabLst/>
+                        <a:defRPr/>
+                      </a:pPr>
+                      <a:r>
+                        <a:rPr kumimoji="0" lang="en-US" sz="1400" b="0" i="0" u="none" strike="noStrike" kern="0" cap="none" spc="0" normalizeH="0" baseline="0" noProof="0" dirty="0">
+                          <a:ln>
+                            <a:noFill/>
+                          </a:ln>
+                          <a:solidFill>
+                            <a:srgbClr val="1BE1A8"/>
+                          </a:solidFill>
+                          <a:effectLst/>
+                          <a:uLnTx/>
+                          <a:uFillTx/>
+                          <a:latin typeface="+mn-lt"/>
+                          <a:ea typeface="+mn-ea"/>
+                          <a:cs typeface="+mn-cs"/>
+                          <a:sym typeface="Arial"/>
+                        </a:rPr>
+                        <a:t>Service</a:t>
+                      </a:r>
+                    </a:p>
+                  </a:txBody>
+                  <a:tcPr anchor="ctr">
+                    <a:lnL w="12700" cap="flat" cmpd="sng" algn="ctr">
+                      <a:solidFill>
+                        <a:schemeClr val="tx1"/>
+                      </a:solidFill>
+                      <a:prstDash val="solid"/>
+                      <a:round/>
+                      <a:headEnd type="none" w="med" len="med"/>
+                      <a:tailEnd type="none" w="med" len="med"/>
+                    </a:lnL>
+                    <a:lnR w="12700" cap="flat" cmpd="sng" algn="ctr">
+                      <a:solidFill>
+                        <a:schemeClr val="tx1"/>
+                      </a:solidFill>
+                      <a:prstDash val="solid"/>
+                      <a:round/>
+                      <a:headEnd type="none" w="med" len="med"/>
+                      <a:tailEnd type="none" w="med" len="med"/>
+                    </a:lnR>
+                    <a:lnT w="12700" cap="flat" cmpd="sng" algn="ctr">
+                      <a:solidFill>
+                        <a:schemeClr val="tx1"/>
+                      </a:solidFill>
+                      <a:prstDash val="solid"/>
+                      <a:round/>
+                      <a:headEnd type="none" w="med" len="med"/>
+                      <a:tailEnd type="none" w="med" len="med"/>
+                    </a:lnT>
+                    <a:lnB w="12700" cap="flat" cmpd="sng" algn="ctr">
+                      <a:solidFill>
+                        <a:schemeClr val="tx1"/>
+                      </a:solidFill>
+                      <a:prstDash val="solid"/>
+                      <a:round/>
+                      <a:headEnd type="none" w="med" len="med"/>
+                      <a:tailEnd type="none" w="med" len="med"/>
+                    </a:lnB>
+                    <a:solidFill>
+                      <a:schemeClr val="bg1"/>
+                    </a:solidFill>
+                  </a:tcPr>
+                </a:tc>
+                <a:tc>
+                  <a:txBody>
+                    <a:bodyPr/>
+                    <a:lstStyle/>
+                    <a:p>
+                      <a:pPr marL="0" marR="0" lvl="0" indent="0" algn="ctr" defTabSz="914400" rtl="0" eaLnBrk="1" fontAlgn="auto" latinLnBrk="0" hangingPunct="1">
+                        <a:lnSpc>
+                          <a:spcPct val="100000"/>
+                        </a:lnSpc>
+                        <a:spcBef>
+                          <a:spcPts val="0"/>
+                        </a:spcBef>
+                        <a:spcAft>
+                          <a:spcPts val="0"/>
+                        </a:spcAft>
+                        <a:buClr>
+                          <a:srgbClr val="000000"/>
+                        </a:buClr>
+                        <a:buSzTx/>
+                        <a:buFont typeface="Arial"/>
+                        <a:buNone/>
+                        <a:tabLst/>
+                        <a:defRPr/>
+                      </a:pPr>
+                      <a:r>
+                        <a:rPr kumimoji="0" lang="en-US" sz="1400" b="0" i="0" u="none" strike="noStrike" kern="0" cap="none" spc="0" normalizeH="0" baseline="0" noProof="0" dirty="0">
+                          <a:ln>
+                            <a:noFill/>
+                          </a:ln>
+                          <a:solidFill>
+                            <a:srgbClr val="1BE1A8"/>
+                          </a:solidFill>
+                          <a:effectLst/>
+                          <a:uLnTx/>
+                          <a:uFillTx/>
+                          <a:latin typeface="+mn-lt"/>
+                          <a:ea typeface="+mn-ea"/>
+                          <a:cs typeface="+mn-cs"/>
+                          <a:sym typeface="Arial"/>
+                        </a:rPr>
+                        <a:t>Platform</a:t>
+                      </a:r>
+                    </a:p>
+                  </a:txBody>
+                  <a:tcPr anchor="ctr">
+                    <a:lnL w="12700" cap="flat" cmpd="sng" algn="ctr">
+                      <a:solidFill>
+                        <a:schemeClr val="tx1"/>
+                      </a:solidFill>
+                      <a:prstDash val="solid"/>
+                      <a:round/>
+                      <a:headEnd type="none" w="med" len="med"/>
+                      <a:tailEnd type="none" w="med" len="med"/>
+                    </a:lnL>
+                    <a:lnR w="12700" cap="flat" cmpd="sng" algn="ctr">
+                      <a:solidFill>
+                        <a:schemeClr val="tx1"/>
+                      </a:solidFill>
+                      <a:prstDash val="solid"/>
+                      <a:round/>
+                      <a:headEnd type="none" w="med" len="med"/>
+                      <a:tailEnd type="none" w="med" len="med"/>
+                    </a:lnR>
+                    <a:lnT w="12700" cap="flat" cmpd="sng" algn="ctr">
+                      <a:solidFill>
+                        <a:schemeClr val="tx1"/>
+                      </a:solidFill>
+                      <a:prstDash val="solid"/>
+                      <a:round/>
+                      <a:headEnd type="none" w="med" len="med"/>
+                      <a:tailEnd type="none" w="med" len="med"/>
+                    </a:lnT>
+                    <a:lnB w="12700" cap="flat" cmpd="sng" algn="ctr">
+                      <a:solidFill>
+                        <a:schemeClr val="tx1"/>
+                      </a:solidFill>
+                      <a:prstDash val="solid"/>
+                      <a:round/>
+                      <a:headEnd type="none" w="med" len="med"/>
+                      <a:tailEnd type="none" w="med" len="med"/>
+                    </a:lnB>
+                    <a:solidFill>
+                      <a:schemeClr val="bg1"/>
+                    </a:solidFill>
+                  </a:tcPr>
+                </a:tc>
+                <a:tc>
+                  <a:txBody>
+                    <a:bodyPr/>
+                    <a:lstStyle/>
+                    <a:p>
+                      <a:pPr marL="0" marR="0" lvl="0" indent="0" algn="ctr" defTabSz="914400" rtl="0" eaLnBrk="1" fontAlgn="auto" latinLnBrk="0" hangingPunct="1">
+                        <a:lnSpc>
+                          <a:spcPct val="100000"/>
+                        </a:lnSpc>
+                        <a:spcBef>
+                          <a:spcPts val="0"/>
+                        </a:spcBef>
+                        <a:spcAft>
+                          <a:spcPts val="0"/>
+                        </a:spcAft>
+                        <a:buClr>
+                          <a:srgbClr val="000000"/>
+                        </a:buClr>
+                        <a:buSzTx/>
+                        <a:buFont typeface="Arial"/>
+                        <a:buNone/>
+                        <a:tabLst/>
+                        <a:defRPr/>
+                      </a:pPr>
+                      <a:r>
+                        <a:rPr kumimoji="0" lang="en-US" sz="1400" b="0" i="0" u="none" strike="noStrike" kern="0" cap="none" spc="0" normalizeH="0" baseline="0" noProof="0" dirty="0">
+                          <a:ln>
+                            <a:noFill/>
+                          </a:ln>
+                          <a:solidFill>
+                            <a:srgbClr val="1BE1A8"/>
+                          </a:solidFill>
+                          <a:effectLst/>
+                          <a:uLnTx/>
+                          <a:uFillTx/>
+                          <a:latin typeface="+mn-lt"/>
+                          <a:ea typeface="+mn-ea"/>
+                          <a:cs typeface="+mn-cs"/>
+                          <a:sym typeface="Arial"/>
+                        </a:rPr>
+                        <a:t>Platform</a:t>
+                      </a:r>
+                    </a:p>
+                  </a:txBody>
+                  <a:tcPr anchor="ctr">
+                    <a:lnL w="12700" cap="flat" cmpd="sng" algn="ctr">
+                      <a:solidFill>
+                        <a:schemeClr val="tx1"/>
+                      </a:solidFill>
+                      <a:prstDash val="solid"/>
+                      <a:round/>
+                      <a:headEnd type="none" w="med" len="med"/>
+                      <a:tailEnd type="none" w="med" len="med"/>
+                    </a:lnL>
+                    <a:lnR w="12700" cap="flat" cmpd="sng" algn="ctr">
+                      <a:solidFill>
+                        <a:schemeClr val="tx1"/>
+                      </a:solidFill>
+                      <a:prstDash val="solid"/>
+                      <a:round/>
+                      <a:headEnd type="none" w="med" len="med"/>
+                      <a:tailEnd type="none" w="med" len="med"/>
+                    </a:lnR>
+                    <a:lnT w="12700" cap="flat" cmpd="sng" algn="ctr">
+                      <a:solidFill>
+                        <a:schemeClr val="tx1"/>
+                      </a:solidFill>
+                      <a:prstDash val="solid"/>
+                      <a:round/>
+                      <a:headEnd type="none" w="med" len="med"/>
+                      <a:tailEnd type="none" w="med" len="med"/>
+                    </a:lnT>
+                    <a:lnB w="12700" cap="flat" cmpd="sng" algn="ctr">
+                      <a:solidFill>
+                        <a:schemeClr val="tx1"/>
+                      </a:solidFill>
+                      <a:prstDash val="solid"/>
+                      <a:round/>
+                      <a:headEnd type="none" w="med" len="med"/>
+                      <a:tailEnd type="none" w="med" len="med"/>
+                    </a:lnB>
+                    <a:solidFill>
+                      <a:schemeClr val="bg1"/>
+                    </a:solidFill>
+                  </a:tcPr>
+                </a:tc>
+                <a:extLst>
+                  <a:ext uri="{0D108BD9-81ED-4DB2-BD59-A6C34878D82A}">
+                    <a16:rowId xmlns:a16="http://schemas.microsoft.com/office/drawing/2014/main" val="2653501521"/>
+                  </a:ext>
+                </a:extLst>
+              </a:tr>
             </a:tbl>
           </a:graphicData>
         </a:graphic>
@@ -22414,7 +22882,23 @@
             </a:r>
             <a:r>
               <a:rPr lang="en-GB" sz="2400" dirty="0"/>
-              <a:t>, FounderDating, LeanStartupMachine, LetsLunch, Meetup, StartupWeekend, YouNoodle, Startup Sucht!!!, FoundersNation </a:t>
+              <a:t>, FounderDating, LeanStartupMachine, LetsLunch, Meetup, StartupWeekend, YouNoodle, </a:t>
+            </a:r>
+            <a:r>
+              <a:rPr lang="en-GB" sz="2400" dirty="0" err="1"/>
+              <a:t>Startup</a:t>
+            </a:r>
+            <a:r>
+              <a:rPr lang="en-GB" sz="2400" dirty="0"/>
+              <a:t> </a:t>
+            </a:r>
+            <a:r>
+              <a:rPr lang="en-GB" sz="2400"/>
+              <a:t>Sucht, </a:t>
+            </a:r>
+            <a:r>
+              <a:rPr lang="en-GB" sz="2400" dirty="0"/>
+              <a:t>FoundersNation </a:t>
             </a:r>
           </a:p>
         </p:txBody>
